--- a/hw02.pptx
+++ b/hw02.pptx
@@ -4,8 +4,22 @@
   <p:sldMasterIdLst>
     <p:sldMasterId id="2147483648" r:id="rId1"/>
   </p:sldMasterIdLst>
+  <p:notesMasterIdLst>
+    <p:notesMasterId r:id="rId14"/>
+  </p:notesMasterIdLst>
   <p:sldIdLst>
     <p:sldId id="256" r:id="rId2"/>
+    <p:sldId id="257" r:id="rId3"/>
+    <p:sldId id="258" r:id="rId4"/>
+    <p:sldId id="259" r:id="rId5"/>
+    <p:sldId id="260" r:id="rId6"/>
+    <p:sldId id="261" r:id="rId7"/>
+    <p:sldId id="262" r:id="rId8"/>
+    <p:sldId id="263" r:id="rId9"/>
+    <p:sldId id="264" r:id="rId10"/>
+    <p:sldId id="265" r:id="rId11"/>
+    <p:sldId id="266" r:id="rId12"/>
+    <p:sldId id="267" r:id="rId13"/>
   </p:sldIdLst>
   <p:sldSz cx="12192000" cy="6858000"/>
   <p:notesSz cx="6858000" cy="9144000"/>
@@ -104,7 +118,1662 @@
       </a:defRPr>
     </a:lvl9pPr>
   </p:defaultTextStyle>
+  <p:extLst>
+    <p:ext uri="{EFAFB233-063F-42B5-8137-9DF3F51BA10A}">
+      <p15:sldGuideLst xmlns:p15="http://schemas.microsoft.com/office/powerpoint/2012/main"/>
+    </p:ext>
+  </p:extLst>
 </p:presentation>
+</file>
+
+<file path=ppt/notesMasters/notesMaster1.xml><?xml version="1.0" encoding="utf-8"?>
+<p:notesMaster xmlns:a="http://schemas.openxmlformats.org/drawingml/2006/main" xmlns:r="http://schemas.openxmlformats.org/officeDocument/2006/relationships" xmlns:p="http://schemas.openxmlformats.org/presentationml/2006/main">
+  <p:cSld>
+    <p:bg>
+      <p:bgRef idx="1001">
+        <a:schemeClr val="bg1"/>
+      </p:bgRef>
+    </p:bg>
+    <p:spTree>
+      <p:nvGrpSpPr>
+        <p:cNvPr id="1" name=""/>
+        <p:cNvGrpSpPr/>
+        <p:nvPr/>
+      </p:nvGrpSpPr>
+      <p:grpSpPr>
+        <a:xfrm>
+          <a:off x="0" y="0"/>
+          <a:ext cx="0" cy="0"/>
+          <a:chOff x="0" y="0"/>
+          <a:chExt cx="0" cy="0"/>
+        </a:xfrm>
+      </p:grpSpPr>
+      <p:sp>
+        <p:nvSpPr>
+          <p:cNvPr id="2" name="頁首版面配置區 1"/>
+          <p:cNvSpPr>
+            <a:spLocks noGrp="1"/>
+          </p:cNvSpPr>
+          <p:nvPr>
+            <p:ph type="hdr" sz="quarter"/>
+          </p:nvPr>
+        </p:nvSpPr>
+        <p:spPr>
+          <a:xfrm>
+            <a:off x="0" y="0"/>
+            <a:ext cx="2971800" cy="458788"/>
+          </a:xfrm>
+          <a:prstGeom prst="rect">
+            <a:avLst/>
+          </a:prstGeom>
+        </p:spPr>
+        <p:txBody>
+          <a:bodyPr vert="horz" lIns="91440" tIns="45720" rIns="91440" bIns="45720" rtlCol="0"/>
+          <a:lstStyle>
+            <a:lvl1pPr algn="l">
+              <a:defRPr sz="1200"/>
+            </a:lvl1pPr>
+          </a:lstStyle>
+          <a:p>
+            <a:endParaRPr lang="zh-TW" altLang="en-US"/>
+          </a:p>
+        </p:txBody>
+      </p:sp>
+      <p:sp>
+        <p:nvSpPr>
+          <p:cNvPr id="3" name="日期版面配置區 2"/>
+          <p:cNvSpPr>
+            <a:spLocks noGrp="1"/>
+          </p:cNvSpPr>
+          <p:nvPr>
+            <p:ph type="dt" idx="1"/>
+          </p:nvPr>
+        </p:nvSpPr>
+        <p:spPr>
+          <a:xfrm>
+            <a:off x="3884613" y="0"/>
+            <a:ext cx="2971800" cy="458788"/>
+          </a:xfrm>
+          <a:prstGeom prst="rect">
+            <a:avLst/>
+          </a:prstGeom>
+        </p:spPr>
+        <p:txBody>
+          <a:bodyPr vert="horz" lIns="91440" tIns="45720" rIns="91440" bIns="45720" rtlCol="0"/>
+          <a:lstStyle>
+            <a:lvl1pPr algn="r">
+              <a:defRPr sz="1200"/>
+            </a:lvl1pPr>
+          </a:lstStyle>
+          <a:p>
+            <a:fld id="{5BBD2F6C-E495-4B35-A746-CDF342B784C3}" type="datetimeFigureOut">
+              <a:rPr lang="zh-TW" altLang="en-US" smtClean="0"/>
+              <a:t>2024/10/23</a:t>
+            </a:fld>
+            <a:endParaRPr lang="zh-TW" altLang="en-US"/>
+          </a:p>
+        </p:txBody>
+      </p:sp>
+      <p:sp>
+        <p:nvSpPr>
+          <p:cNvPr id="4" name="投影片影像版面配置區 3"/>
+          <p:cNvSpPr>
+            <a:spLocks noGrp="1" noRot="1" noChangeAspect="1"/>
+          </p:cNvSpPr>
+          <p:nvPr>
+            <p:ph type="sldImg" idx="2"/>
+          </p:nvPr>
+        </p:nvSpPr>
+        <p:spPr>
+          <a:xfrm>
+            <a:off x="685800" y="1143000"/>
+            <a:ext cx="5486400" cy="3086100"/>
+          </a:xfrm>
+          <a:prstGeom prst="rect">
+            <a:avLst/>
+          </a:prstGeom>
+          <a:noFill/>
+          <a:ln w="12700">
+            <a:solidFill>
+              <a:prstClr val="black"/>
+            </a:solidFill>
+          </a:ln>
+        </p:spPr>
+        <p:txBody>
+          <a:bodyPr vert="horz" lIns="91440" tIns="45720" rIns="91440" bIns="45720" rtlCol="0" anchor="ctr"/>
+          <a:lstStyle/>
+          <a:p>
+            <a:endParaRPr lang="zh-TW" altLang="en-US"/>
+          </a:p>
+        </p:txBody>
+      </p:sp>
+      <p:sp>
+        <p:nvSpPr>
+          <p:cNvPr id="5" name="備忘稿版面配置區 4"/>
+          <p:cNvSpPr>
+            <a:spLocks noGrp="1"/>
+          </p:cNvSpPr>
+          <p:nvPr>
+            <p:ph type="body" sz="quarter" idx="3"/>
+          </p:nvPr>
+        </p:nvSpPr>
+        <p:spPr>
+          <a:xfrm>
+            <a:off x="685800" y="4400550"/>
+            <a:ext cx="5486400" cy="3600450"/>
+          </a:xfrm>
+          <a:prstGeom prst="rect">
+            <a:avLst/>
+          </a:prstGeom>
+        </p:spPr>
+        <p:txBody>
+          <a:bodyPr vert="horz" lIns="91440" tIns="45720" rIns="91440" bIns="45720" rtlCol="0"/>
+          <a:lstStyle/>
+          <a:p>
+            <a:pPr lvl="0"/>
+            <a:r>
+              <a:rPr lang="zh-TW" altLang="en-US"/>
+              <a:t>編輯母片文字樣式</a:t>
+            </a:r>
+          </a:p>
+          <a:p>
+            <a:pPr lvl="1"/>
+            <a:r>
+              <a:rPr lang="zh-TW" altLang="en-US"/>
+              <a:t>第二層</a:t>
+            </a:r>
+          </a:p>
+          <a:p>
+            <a:pPr lvl="2"/>
+            <a:r>
+              <a:rPr lang="zh-TW" altLang="en-US"/>
+              <a:t>第三層</a:t>
+            </a:r>
+          </a:p>
+          <a:p>
+            <a:pPr lvl="3"/>
+            <a:r>
+              <a:rPr lang="zh-TW" altLang="en-US"/>
+              <a:t>第四層</a:t>
+            </a:r>
+          </a:p>
+          <a:p>
+            <a:pPr lvl="4"/>
+            <a:r>
+              <a:rPr lang="zh-TW" altLang="en-US"/>
+              <a:t>第五層</a:t>
+            </a:r>
+          </a:p>
+        </p:txBody>
+      </p:sp>
+      <p:sp>
+        <p:nvSpPr>
+          <p:cNvPr id="6" name="頁尾版面配置區 5"/>
+          <p:cNvSpPr>
+            <a:spLocks noGrp="1"/>
+          </p:cNvSpPr>
+          <p:nvPr>
+            <p:ph type="ftr" sz="quarter" idx="4"/>
+          </p:nvPr>
+        </p:nvSpPr>
+        <p:spPr>
+          <a:xfrm>
+            <a:off x="0" y="8685213"/>
+            <a:ext cx="2971800" cy="458787"/>
+          </a:xfrm>
+          <a:prstGeom prst="rect">
+            <a:avLst/>
+          </a:prstGeom>
+        </p:spPr>
+        <p:txBody>
+          <a:bodyPr vert="horz" lIns="91440" tIns="45720" rIns="91440" bIns="45720" rtlCol="0" anchor="b"/>
+          <a:lstStyle>
+            <a:lvl1pPr algn="l">
+              <a:defRPr sz="1200"/>
+            </a:lvl1pPr>
+          </a:lstStyle>
+          <a:p>
+            <a:endParaRPr lang="zh-TW" altLang="en-US"/>
+          </a:p>
+        </p:txBody>
+      </p:sp>
+      <p:sp>
+        <p:nvSpPr>
+          <p:cNvPr id="7" name="投影片編號版面配置區 6"/>
+          <p:cNvSpPr>
+            <a:spLocks noGrp="1"/>
+          </p:cNvSpPr>
+          <p:nvPr>
+            <p:ph type="sldNum" sz="quarter" idx="5"/>
+          </p:nvPr>
+        </p:nvSpPr>
+        <p:spPr>
+          <a:xfrm>
+            <a:off x="3884613" y="8685213"/>
+            <a:ext cx="2971800" cy="458787"/>
+          </a:xfrm>
+          <a:prstGeom prst="rect">
+            <a:avLst/>
+          </a:prstGeom>
+        </p:spPr>
+        <p:txBody>
+          <a:bodyPr vert="horz" lIns="91440" tIns="45720" rIns="91440" bIns="45720" rtlCol="0" anchor="b"/>
+          <a:lstStyle>
+            <a:lvl1pPr algn="r">
+              <a:defRPr sz="1200"/>
+            </a:lvl1pPr>
+          </a:lstStyle>
+          <a:p>
+            <a:fld id="{3FC78824-0431-4FDD-8235-17CB592AE055}" type="slidenum">
+              <a:rPr lang="zh-TW" altLang="en-US" smtClean="0"/>
+              <a:t>‹#›</a:t>
+            </a:fld>
+            <a:endParaRPr lang="zh-TW" altLang="en-US"/>
+          </a:p>
+        </p:txBody>
+      </p:sp>
+    </p:spTree>
+    <p:extLst>
+      <p:ext uri="{BB962C8B-B14F-4D97-AF65-F5344CB8AC3E}">
+        <p14:creationId xmlns:p14="http://schemas.microsoft.com/office/powerpoint/2010/main" val="2649553460"/>
+      </p:ext>
+    </p:extLst>
+  </p:cSld>
+  <p:clrMap bg1="lt1" tx1="dk1" bg2="lt2" tx2="dk2" accent1="accent1" accent2="accent2" accent3="accent3" accent4="accent4" accent5="accent5" accent6="accent6" hlink="hlink" folHlink="folHlink"/>
+  <p:notesStyle>
+    <a:lvl1pPr marL="0" algn="l" defTabSz="914400" rtl="0" eaLnBrk="1" latinLnBrk="0" hangingPunct="1">
+      <a:defRPr sz="1200" kern="1200">
+        <a:solidFill>
+          <a:schemeClr val="tx1"/>
+        </a:solidFill>
+        <a:latin typeface="+mn-lt"/>
+        <a:ea typeface="+mn-ea"/>
+        <a:cs typeface="+mn-cs"/>
+      </a:defRPr>
+    </a:lvl1pPr>
+    <a:lvl2pPr marL="457200" algn="l" defTabSz="914400" rtl="0" eaLnBrk="1" latinLnBrk="0" hangingPunct="1">
+      <a:defRPr sz="1200" kern="1200">
+        <a:solidFill>
+          <a:schemeClr val="tx1"/>
+        </a:solidFill>
+        <a:latin typeface="+mn-lt"/>
+        <a:ea typeface="+mn-ea"/>
+        <a:cs typeface="+mn-cs"/>
+      </a:defRPr>
+    </a:lvl2pPr>
+    <a:lvl3pPr marL="914400" algn="l" defTabSz="914400" rtl="0" eaLnBrk="1" latinLnBrk="0" hangingPunct="1">
+      <a:defRPr sz="1200" kern="1200">
+        <a:solidFill>
+          <a:schemeClr val="tx1"/>
+        </a:solidFill>
+        <a:latin typeface="+mn-lt"/>
+        <a:ea typeface="+mn-ea"/>
+        <a:cs typeface="+mn-cs"/>
+      </a:defRPr>
+    </a:lvl3pPr>
+    <a:lvl4pPr marL="1371600" algn="l" defTabSz="914400" rtl="0" eaLnBrk="1" latinLnBrk="0" hangingPunct="1">
+      <a:defRPr sz="1200" kern="1200">
+        <a:solidFill>
+          <a:schemeClr val="tx1"/>
+        </a:solidFill>
+        <a:latin typeface="+mn-lt"/>
+        <a:ea typeface="+mn-ea"/>
+        <a:cs typeface="+mn-cs"/>
+      </a:defRPr>
+    </a:lvl4pPr>
+    <a:lvl5pPr marL="1828800" algn="l" defTabSz="914400" rtl="0" eaLnBrk="1" latinLnBrk="0" hangingPunct="1">
+      <a:defRPr sz="1200" kern="1200">
+        <a:solidFill>
+          <a:schemeClr val="tx1"/>
+        </a:solidFill>
+        <a:latin typeface="+mn-lt"/>
+        <a:ea typeface="+mn-ea"/>
+        <a:cs typeface="+mn-cs"/>
+      </a:defRPr>
+    </a:lvl5pPr>
+    <a:lvl6pPr marL="2286000" algn="l" defTabSz="914400" rtl="0" eaLnBrk="1" latinLnBrk="0" hangingPunct="1">
+      <a:defRPr sz="1200" kern="1200">
+        <a:solidFill>
+          <a:schemeClr val="tx1"/>
+        </a:solidFill>
+        <a:latin typeface="+mn-lt"/>
+        <a:ea typeface="+mn-ea"/>
+        <a:cs typeface="+mn-cs"/>
+      </a:defRPr>
+    </a:lvl6pPr>
+    <a:lvl7pPr marL="2743200" algn="l" defTabSz="914400" rtl="0" eaLnBrk="1" latinLnBrk="0" hangingPunct="1">
+      <a:defRPr sz="1200" kern="1200">
+        <a:solidFill>
+          <a:schemeClr val="tx1"/>
+        </a:solidFill>
+        <a:latin typeface="+mn-lt"/>
+        <a:ea typeface="+mn-ea"/>
+        <a:cs typeface="+mn-cs"/>
+      </a:defRPr>
+    </a:lvl7pPr>
+    <a:lvl8pPr marL="3200400" algn="l" defTabSz="914400" rtl="0" eaLnBrk="1" latinLnBrk="0" hangingPunct="1">
+      <a:defRPr sz="1200" kern="1200">
+        <a:solidFill>
+          <a:schemeClr val="tx1"/>
+        </a:solidFill>
+        <a:latin typeface="+mn-lt"/>
+        <a:ea typeface="+mn-ea"/>
+        <a:cs typeface="+mn-cs"/>
+      </a:defRPr>
+    </a:lvl8pPr>
+    <a:lvl9pPr marL="3657600" algn="l" defTabSz="914400" rtl="0" eaLnBrk="1" latinLnBrk="0" hangingPunct="1">
+      <a:defRPr sz="1200" kern="1200">
+        <a:solidFill>
+          <a:schemeClr val="tx1"/>
+        </a:solidFill>
+        <a:latin typeface="+mn-lt"/>
+        <a:ea typeface="+mn-ea"/>
+        <a:cs typeface="+mn-cs"/>
+      </a:defRPr>
+    </a:lvl9pPr>
+  </p:notesStyle>
+</p:notesMaster>
+</file>
+
+<file path=ppt/notesSlides/notesSlide1.xml><?xml version="1.0" encoding="utf-8"?>
+<p:notes xmlns:a="http://schemas.openxmlformats.org/drawingml/2006/main" xmlns:r="http://schemas.openxmlformats.org/officeDocument/2006/relationships" xmlns:p="http://schemas.openxmlformats.org/presentationml/2006/main">
+  <p:cSld>
+    <p:spTree>
+      <p:nvGrpSpPr>
+        <p:cNvPr id="1" name=""/>
+        <p:cNvGrpSpPr/>
+        <p:nvPr/>
+      </p:nvGrpSpPr>
+      <p:grpSpPr>
+        <a:xfrm>
+          <a:off x="0" y="0"/>
+          <a:ext cx="0" cy="0"/>
+          <a:chOff x="0" y="0"/>
+          <a:chExt cx="0" cy="0"/>
+        </a:xfrm>
+      </p:grpSpPr>
+      <p:sp>
+        <p:nvSpPr>
+          <p:cNvPr id="2" name="投影片影像版面配置區 1"/>
+          <p:cNvSpPr>
+            <a:spLocks noGrp="1" noRot="1" noChangeAspect="1"/>
+          </p:cNvSpPr>
+          <p:nvPr>
+            <p:ph type="sldImg"/>
+          </p:nvPr>
+        </p:nvSpPr>
+        <p:spPr/>
+      </p:sp>
+      <p:sp>
+        <p:nvSpPr>
+          <p:cNvPr id="3" name="備忘稿版面配置區 2"/>
+          <p:cNvSpPr>
+            <a:spLocks noGrp="1"/>
+          </p:cNvSpPr>
+          <p:nvPr>
+            <p:ph type="body" idx="1"/>
+          </p:nvPr>
+        </p:nvSpPr>
+        <p:spPr/>
+        <p:txBody>
+          <a:bodyPr/>
+          <a:lstStyle/>
+          <a:p>
+            <a:r>
+              <a:rPr lang="zh-TW" altLang="en-US" sz="1200" b="0" i="0" kern="1200" dirty="0">
+                <a:solidFill>
+                  <a:schemeClr val="tx1"/>
+                </a:solidFill>
+                <a:effectLst/>
+                <a:latin typeface="+mn-lt"/>
+                <a:ea typeface="+mn-ea"/>
+                <a:cs typeface="+mn-cs"/>
+              </a:rPr>
+              <a:t>銀色短髮、穿著黑色外套、黑色牛仔褲、日本動漫風格、年齡大概</a:t>
+            </a:r>
+            <a:r>
+              <a:rPr lang="en-US" altLang="zh-TW" sz="1200" b="0" i="0" kern="1200" dirty="0">
+                <a:solidFill>
+                  <a:schemeClr val="tx1"/>
+                </a:solidFill>
+                <a:effectLst/>
+                <a:latin typeface="+mn-lt"/>
+                <a:ea typeface="+mn-ea"/>
+                <a:cs typeface="+mn-cs"/>
+              </a:rPr>
+              <a:t>20</a:t>
+            </a:r>
+            <a:r>
+              <a:rPr lang="zh-TW" altLang="en-US" sz="1200" b="0" i="0" kern="1200" dirty="0">
+                <a:solidFill>
+                  <a:schemeClr val="tx1"/>
+                </a:solidFill>
+                <a:effectLst/>
+                <a:latin typeface="+mn-lt"/>
+                <a:ea typeface="+mn-ea"/>
+                <a:cs typeface="+mn-cs"/>
+              </a:rPr>
+              <a:t>歲左右、要看起來成熟一點、眼睛是淺藍色的、在圖書館尋找資料</a:t>
+            </a:r>
+            <a:endParaRPr lang="zh-TW" altLang="en-US" dirty="0"/>
+          </a:p>
+        </p:txBody>
+      </p:sp>
+      <p:sp>
+        <p:nvSpPr>
+          <p:cNvPr id="4" name="投影片編號版面配置區 3"/>
+          <p:cNvSpPr>
+            <a:spLocks noGrp="1"/>
+          </p:cNvSpPr>
+          <p:nvPr>
+            <p:ph type="sldNum" sz="quarter" idx="5"/>
+          </p:nvPr>
+        </p:nvSpPr>
+        <p:spPr/>
+        <p:txBody>
+          <a:bodyPr/>
+          <a:lstStyle/>
+          <a:p>
+            <a:fld id="{3FC78824-0431-4FDD-8235-17CB592AE055}" type="slidenum">
+              <a:rPr lang="zh-TW" altLang="en-US" smtClean="0"/>
+              <a:t>2</a:t>
+            </a:fld>
+            <a:endParaRPr lang="zh-TW" altLang="en-US"/>
+          </a:p>
+        </p:txBody>
+      </p:sp>
+    </p:spTree>
+    <p:extLst>
+      <p:ext uri="{BB962C8B-B14F-4D97-AF65-F5344CB8AC3E}">
+        <p14:creationId xmlns:p14="http://schemas.microsoft.com/office/powerpoint/2010/main" val="3739875940"/>
+      </p:ext>
+    </p:extLst>
+  </p:cSld>
+  <p:clrMapOvr>
+    <a:masterClrMapping/>
+  </p:clrMapOvr>
+</p:notes>
+</file>
+
+<file path=ppt/notesSlides/notesSlide10.xml><?xml version="1.0" encoding="utf-8"?>
+<p:notes xmlns:a="http://schemas.openxmlformats.org/drawingml/2006/main" xmlns:r="http://schemas.openxmlformats.org/officeDocument/2006/relationships" xmlns:p="http://schemas.openxmlformats.org/presentationml/2006/main">
+  <p:cSld>
+    <p:spTree>
+      <p:nvGrpSpPr>
+        <p:cNvPr id="1" name=""/>
+        <p:cNvGrpSpPr/>
+        <p:nvPr/>
+      </p:nvGrpSpPr>
+      <p:grpSpPr>
+        <a:xfrm>
+          <a:off x="0" y="0"/>
+          <a:ext cx="0" cy="0"/>
+          <a:chOff x="0" y="0"/>
+          <a:chExt cx="0" cy="0"/>
+        </a:xfrm>
+      </p:grpSpPr>
+      <p:sp>
+        <p:nvSpPr>
+          <p:cNvPr id="2" name="投影片影像版面配置區 1"/>
+          <p:cNvSpPr>
+            <a:spLocks noGrp="1" noRot="1" noChangeAspect="1"/>
+          </p:cNvSpPr>
+          <p:nvPr>
+            <p:ph type="sldImg"/>
+          </p:nvPr>
+        </p:nvSpPr>
+        <p:spPr/>
+      </p:sp>
+      <p:sp>
+        <p:nvSpPr>
+          <p:cNvPr id="3" name="備忘稿版面配置區 2"/>
+          <p:cNvSpPr>
+            <a:spLocks noGrp="1"/>
+          </p:cNvSpPr>
+          <p:nvPr>
+            <p:ph type="body" idx="1"/>
+          </p:nvPr>
+        </p:nvSpPr>
+        <p:spPr/>
+        <p:txBody>
+          <a:bodyPr/>
+          <a:lstStyle/>
+          <a:p>
+            <a:r>
+              <a:rPr lang="zh-TW" altLang="en-US" sz="1200" b="0" i="0" kern="1200" dirty="0">
+                <a:solidFill>
+                  <a:schemeClr val="tx1"/>
+                </a:solidFill>
+                <a:effectLst/>
+                <a:latin typeface="+mn-lt"/>
+                <a:ea typeface="+mn-ea"/>
+                <a:cs typeface="+mn-cs"/>
+              </a:rPr>
+              <a:t>銀色短髮、穿著黑色外套、黑色牛仔褲、日本動漫風格、年齡大概</a:t>
+            </a:r>
+            <a:r>
+              <a:rPr lang="en-US" altLang="zh-TW" sz="1200" b="0" i="0" kern="1200" dirty="0">
+                <a:solidFill>
+                  <a:schemeClr val="tx1"/>
+                </a:solidFill>
+                <a:effectLst/>
+                <a:latin typeface="+mn-lt"/>
+                <a:ea typeface="+mn-ea"/>
+                <a:cs typeface="+mn-cs"/>
+              </a:rPr>
+              <a:t>20</a:t>
+            </a:r>
+            <a:r>
+              <a:rPr lang="zh-TW" altLang="en-US" sz="1200" b="0" i="0" kern="1200" dirty="0">
+                <a:solidFill>
+                  <a:schemeClr val="tx1"/>
+                </a:solidFill>
+                <a:effectLst/>
+                <a:latin typeface="+mn-lt"/>
+                <a:ea typeface="+mn-ea"/>
+                <a:cs typeface="+mn-cs"/>
+              </a:rPr>
+              <a:t>歲左右、要看起來成熟一點、眼睛是淺藍色的、背景是異世界，終於找到了寶物</a:t>
+            </a:r>
+            <a:endParaRPr lang="zh-TW" altLang="en-US" dirty="0"/>
+          </a:p>
+        </p:txBody>
+      </p:sp>
+      <p:sp>
+        <p:nvSpPr>
+          <p:cNvPr id="4" name="投影片編號版面配置區 3"/>
+          <p:cNvSpPr>
+            <a:spLocks noGrp="1"/>
+          </p:cNvSpPr>
+          <p:nvPr>
+            <p:ph type="sldNum" sz="quarter" idx="5"/>
+          </p:nvPr>
+        </p:nvSpPr>
+        <p:spPr/>
+        <p:txBody>
+          <a:bodyPr/>
+          <a:lstStyle/>
+          <a:p>
+            <a:fld id="{3FC78824-0431-4FDD-8235-17CB592AE055}" type="slidenum">
+              <a:rPr lang="zh-TW" altLang="en-US" smtClean="0"/>
+              <a:t>11</a:t>
+            </a:fld>
+            <a:endParaRPr lang="zh-TW" altLang="en-US"/>
+          </a:p>
+        </p:txBody>
+      </p:sp>
+    </p:spTree>
+    <p:extLst>
+      <p:ext uri="{BB962C8B-B14F-4D97-AF65-F5344CB8AC3E}">
+        <p14:creationId xmlns:p14="http://schemas.microsoft.com/office/powerpoint/2010/main" val="668387435"/>
+      </p:ext>
+    </p:extLst>
+  </p:cSld>
+  <p:clrMapOvr>
+    <a:masterClrMapping/>
+  </p:clrMapOvr>
+</p:notes>
+</file>
+
+<file path=ppt/notesSlides/notesSlide11.xml><?xml version="1.0" encoding="utf-8"?>
+<p:notes xmlns:a="http://schemas.openxmlformats.org/drawingml/2006/main" xmlns:r="http://schemas.openxmlformats.org/officeDocument/2006/relationships" xmlns:p="http://schemas.openxmlformats.org/presentationml/2006/main">
+  <p:cSld>
+    <p:spTree>
+      <p:nvGrpSpPr>
+        <p:cNvPr id="1" name=""/>
+        <p:cNvGrpSpPr/>
+        <p:nvPr/>
+      </p:nvGrpSpPr>
+      <p:grpSpPr>
+        <a:xfrm>
+          <a:off x="0" y="0"/>
+          <a:ext cx="0" cy="0"/>
+          <a:chOff x="0" y="0"/>
+          <a:chExt cx="0" cy="0"/>
+        </a:xfrm>
+      </p:grpSpPr>
+      <p:sp>
+        <p:nvSpPr>
+          <p:cNvPr id="2" name="投影片影像版面配置區 1"/>
+          <p:cNvSpPr>
+            <a:spLocks noGrp="1" noRot="1" noChangeAspect="1"/>
+          </p:cNvSpPr>
+          <p:nvPr>
+            <p:ph type="sldImg"/>
+          </p:nvPr>
+        </p:nvSpPr>
+        <p:spPr/>
+      </p:sp>
+      <p:sp>
+        <p:nvSpPr>
+          <p:cNvPr id="3" name="備忘稿版面配置區 2"/>
+          <p:cNvSpPr>
+            <a:spLocks noGrp="1"/>
+          </p:cNvSpPr>
+          <p:nvPr>
+            <p:ph type="body" idx="1"/>
+          </p:nvPr>
+        </p:nvSpPr>
+        <p:spPr/>
+        <p:txBody>
+          <a:bodyPr/>
+          <a:lstStyle/>
+          <a:p>
+            <a:r>
+              <a:rPr lang="zh-TW" altLang="en-US" sz="1200" b="0" i="0" kern="1200" dirty="0">
+                <a:solidFill>
+                  <a:schemeClr val="tx1"/>
+                </a:solidFill>
+                <a:effectLst/>
+                <a:latin typeface="+mn-lt"/>
+                <a:ea typeface="+mn-ea"/>
+                <a:cs typeface="+mn-cs"/>
+              </a:rPr>
+              <a:t>銀色短髮、穿著黑色外套、黑色牛仔褲、日本動漫風格、年齡大概</a:t>
+            </a:r>
+            <a:r>
+              <a:rPr lang="en-US" altLang="zh-TW" sz="1200" b="0" i="0" kern="1200" dirty="0">
+                <a:solidFill>
+                  <a:schemeClr val="tx1"/>
+                </a:solidFill>
+                <a:effectLst/>
+                <a:latin typeface="+mn-lt"/>
+                <a:ea typeface="+mn-ea"/>
+                <a:cs typeface="+mn-cs"/>
+              </a:rPr>
+              <a:t>20</a:t>
+            </a:r>
+            <a:r>
+              <a:rPr lang="zh-TW" altLang="en-US" sz="1200" b="0" i="0" kern="1200" dirty="0">
+                <a:solidFill>
+                  <a:schemeClr val="tx1"/>
+                </a:solidFill>
+                <a:effectLst/>
+                <a:latin typeface="+mn-lt"/>
+                <a:ea typeface="+mn-ea"/>
+                <a:cs typeface="+mn-cs"/>
+              </a:rPr>
+              <a:t>歲左右、要看起來成熟一點、眼睛是淺藍色的、背景是異世界，打開寶箱，找到寶物，很開心</a:t>
+            </a:r>
+            <a:endParaRPr lang="zh-TW" altLang="en-US" dirty="0"/>
+          </a:p>
+        </p:txBody>
+      </p:sp>
+      <p:sp>
+        <p:nvSpPr>
+          <p:cNvPr id="4" name="投影片編號版面配置區 3"/>
+          <p:cNvSpPr>
+            <a:spLocks noGrp="1"/>
+          </p:cNvSpPr>
+          <p:nvPr>
+            <p:ph type="sldNum" sz="quarter" idx="5"/>
+          </p:nvPr>
+        </p:nvSpPr>
+        <p:spPr/>
+        <p:txBody>
+          <a:bodyPr/>
+          <a:lstStyle/>
+          <a:p>
+            <a:fld id="{3FC78824-0431-4FDD-8235-17CB592AE055}" type="slidenum">
+              <a:rPr lang="zh-TW" altLang="en-US" smtClean="0"/>
+              <a:t>12</a:t>
+            </a:fld>
+            <a:endParaRPr lang="zh-TW" altLang="en-US"/>
+          </a:p>
+        </p:txBody>
+      </p:sp>
+    </p:spTree>
+    <p:extLst>
+      <p:ext uri="{BB962C8B-B14F-4D97-AF65-F5344CB8AC3E}">
+        <p14:creationId xmlns:p14="http://schemas.microsoft.com/office/powerpoint/2010/main" val="886258715"/>
+      </p:ext>
+    </p:extLst>
+  </p:cSld>
+  <p:clrMapOvr>
+    <a:masterClrMapping/>
+  </p:clrMapOvr>
+</p:notes>
+</file>
+
+<file path=ppt/notesSlides/notesSlide2.xml><?xml version="1.0" encoding="utf-8"?>
+<p:notes xmlns:a="http://schemas.openxmlformats.org/drawingml/2006/main" xmlns:r="http://schemas.openxmlformats.org/officeDocument/2006/relationships" xmlns:p="http://schemas.openxmlformats.org/presentationml/2006/main">
+  <p:cSld>
+    <p:spTree>
+      <p:nvGrpSpPr>
+        <p:cNvPr id="1" name=""/>
+        <p:cNvGrpSpPr/>
+        <p:nvPr/>
+      </p:nvGrpSpPr>
+      <p:grpSpPr>
+        <a:xfrm>
+          <a:off x="0" y="0"/>
+          <a:ext cx="0" cy="0"/>
+          <a:chOff x="0" y="0"/>
+          <a:chExt cx="0" cy="0"/>
+        </a:xfrm>
+      </p:grpSpPr>
+      <p:sp>
+        <p:nvSpPr>
+          <p:cNvPr id="2" name="投影片影像版面配置區 1"/>
+          <p:cNvSpPr>
+            <a:spLocks noGrp="1" noRot="1" noChangeAspect="1"/>
+          </p:cNvSpPr>
+          <p:nvPr>
+            <p:ph type="sldImg"/>
+          </p:nvPr>
+        </p:nvSpPr>
+        <p:spPr/>
+      </p:sp>
+      <p:sp>
+        <p:nvSpPr>
+          <p:cNvPr id="3" name="備忘稿版面配置區 2"/>
+          <p:cNvSpPr>
+            <a:spLocks noGrp="1"/>
+          </p:cNvSpPr>
+          <p:nvPr>
+            <p:ph type="body" idx="1"/>
+          </p:nvPr>
+        </p:nvSpPr>
+        <p:spPr/>
+        <p:txBody>
+          <a:bodyPr/>
+          <a:lstStyle/>
+          <a:p>
+            <a:r>
+              <a:rPr lang="zh-TW" altLang="en-US" sz="1200" b="0" i="0" kern="1200" dirty="0">
+                <a:solidFill>
+                  <a:schemeClr val="tx1"/>
+                </a:solidFill>
+                <a:effectLst/>
+                <a:latin typeface="+mn-lt"/>
+                <a:ea typeface="+mn-ea"/>
+                <a:cs typeface="+mn-cs"/>
+              </a:rPr>
+              <a:t>銀色短髮、穿著黑色外套、黑色牛仔褲、日本動漫風格、年齡大概</a:t>
+            </a:r>
+            <a:r>
+              <a:rPr lang="en-US" altLang="zh-TW" sz="1200" b="0" i="0" kern="1200" dirty="0">
+                <a:solidFill>
+                  <a:schemeClr val="tx1"/>
+                </a:solidFill>
+                <a:effectLst/>
+                <a:latin typeface="+mn-lt"/>
+                <a:ea typeface="+mn-ea"/>
+                <a:cs typeface="+mn-cs"/>
+              </a:rPr>
+              <a:t>20</a:t>
+            </a:r>
+            <a:r>
+              <a:rPr lang="zh-TW" altLang="en-US" sz="1200" b="0" i="0" kern="1200" dirty="0">
+                <a:solidFill>
+                  <a:schemeClr val="tx1"/>
+                </a:solidFill>
+                <a:effectLst/>
+                <a:latin typeface="+mn-lt"/>
+                <a:ea typeface="+mn-ea"/>
+                <a:cs typeface="+mn-cs"/>
+              </a:rPr>
+              <a:t>歲左右、要看起來成熟一點、眼睛是淺藍色的、被困在異世界的森林裡面</a:t>
+            </a:r>
+            <a:endParaRPr lang="zh-TW" altLang="en-US" dirty="0"/>
+          </a:p>
+        </p:txBody>
+      </p:sp>
+      <p:sp>
+        <p:nvSpPr>
+          <p:cNvPr id="4" name="投影片編號版面配置區 3"/>
+          <p:cNvSpPr>
+            <a:spLocks noGrp="1"/>
+          </p:cNvSpPr>
+          <p:nvPr>
+            <p:ph type="sldNum" sz="quarter" idx="5"/>
+          </p:nvPr>
+        </p:nvSpPr>
+        <p:spPr/>
+        <p:txBody>
+          <a:bodyPr/>
+          <a:lstStyle/>
+          <a:p>
+            <a:fld id="{3FC78824-0431-4FDD-8235-17CB592AE055}" type="slidenum">
+              <a:rPr lang="zh-TW" altLang="en-US" smtClean="0"/>
+              <a:t>3</a:t>
+            </a:fld>
+            <a:endParaRPr lang="zh-TW" altLang="en-US"/>
+          </a:p>
+        </p:txBody>
+      </p:sp>
+    </p:spTree>
+    <p:extLst>
+      <p:ext uri="{BB962C8B-B14F-4D97-AF65-F5344CB8AC3E}">
+        <p14:creationId xmlns:p14="http://schemas.microsoft.com/office/powerpoint/2010/main" val="2775521170"/>
+      </p:ext>
+    </p:extLst>
+  </p:cSld>
+  <p:clrMapOvr>
+    <a:masterClrMapping/>
+  </p:clrMapOvr>
+</p:notes>
+</file>
+
+<file path=ppt/notesSlides/notesSlide3.xml><?xml version="1.0" encoding="utf-8"?>
+<p:notes xmlns:a="http://schemas.openxmlformats.org/drawingml/2006/main" xmlns:r="http://schemas.openxmlformats.org/officeDocument/2006/relationships" xmlns:p="http://schemas.openxmlformats.org/presentationml/2006/main">
+  <p:cSld>
+    <p:spTree>
+      <p:nvGrpSpPr>
+        <p:cNvPr id="1" name=""/>
+        <p:cNvGrpSpPr/>
+        <p:nvPr/>
+      </p:nvGrpSpPr>
+      <p:grpSpPr>
+        <a:xfrm>
+          <a:off x="0" y="0"/>
+          <a:ext cx="0" cy="0"/>
+          <a:chOff x="0" y="0"/>
+          <a:chExt cx="0" cy="0"/>
+        </a:xfrm>
+      </p:grpSpPr>
+      <p:sp>
+        <p:nvSpPr>
+          <p:cNvPr id="2" name="投影片影像版面配置區 1"/>
+          <p:cNvSpPr>
+            <a:spLocks noGrp="1" noRot="1" noChangeAspect="1"/>
+          </p:cNvSpPr>
+          <p:nvPr>
+            <p:ph type="sldImg"/>
+          </p:nvPr>
+        </p:nvSpPr>
+        <p:spPr/>
+      </p:sp>
+      <p:sp>
+        <p:nvSpPr>
+          <p:cNvPr id="3" name="備忘稿版面配置區 2"/>
+          <p:cNvSpPr>
+            <a:spLocks noGrp="1"/>
+          </p:cNvSpPr>
+          <p:nvPr>
+            <p:ph type="body" idx="1"/>
+          </p:nvPr>
+        </p:nvSpPr>
+        <p:spPr/>
+        <p:txBody>
+          <a:bodyPr/>
+          <a:lstStyle/>
+          <a:p>
+            <a:r>
+              <a:rPr lang="zh-TW" altLang="en-US" sz="1200" b="0" i="0" kern="1200" dirty="0">
+                <a:solidFill>
+                  <a:schemeClr val="tx1"/>
+                </a:solidFill>
+                <a:effectLst/>
+                <a:latin typeface="+mn-lt"/>
+                <a:ea typeface="+mn-ea"/>
+                <a:cs typeface="+mn-cs"/>
+              </a:rPr>
+              <a:t>銀色短髮、穿著黑色外套、黑色牛仔褲、日本動漫風格、年齡大概</a:t>
+            </a:r>
+            <a:r>
+              <a:rPr lang="en-US" altLang="zh-TW" sz="1200" b="0" i="0" kern="1200" dirty="0">
+                <a:solidFill>
+                  <a:schemeClr val="tx1"/>
+                </a:solidFill>
+                <a:effectLst/>
+                <a:latin typeface="+mn-lt"/>
+                <a:ea typeface="+mn-ea"/>
+                <a:cs typeface="+mn-cs"/>
+              </a:rPr>
+              <a:t>20</a:t>
+            </a:r>
+            <a:r>
+              <a:rPr lang="zh-TW" altLang="en-US" sz="1200" b="0" i="0" kern="1200" dirty="0">
+                <a:solidFill>
+                  <a:schemeClr val="tx1"/>
+                </a:solidFill>
+                <a:effectLst/>
+                <a:latin typeface="+mn-lt"/>
+                <a:ea typeface="+mn-ea"/>
+                <a:cs typeface="+mn-cs"/>
+              </a:rPr>
+              <a:t>歲左右、要看起來成熟一點、眼睛是淺藍色的、被困在異世界的森林裡面、望眼過去有一座橋，橋的入口有一隻哥布林在守護著橋，而我必須跨過橋</a:t>
+            </a:r>
+            <a:endParaRPr lang="zh-TW" altLang="en-US" dirty="0"/>
+          </a:p>
+        </p:txBody>
+      </p:sp>
+      <p:sp>
+        <p:nvSpPr>
+          <p:cNvPr id="4" name="投影片編號版面配置區 3"/>
+          <p:cNvSpPr>
+            <a:spLocks noGrp="1"/>
+          </p:cNvSpPr>
+          <p:nvPr>
+            <p:ph type="sldNum" sz="quarter" idx="5"/>
+          </p:nvPr>
+        </p:nvSpPr>
+        <p:spPr/>
+        <p:txBody>
+          <a:bodyPr/>
+          <a:lstStyle/>
+          <a:p>
+            <a:fld id="{3FC78824-0431-4FDD-8235-17CB592AE055}" type="slidenum">
+              <a:rPr lang="zh-TW" altLang="en-US" smtClean="0"/>
+              <a:t>4</a:t>
+            </a:fld>
+            <a:endParaRPr lang="zh-TW" altLang="en-US"/>
+          </a:p>
+        </p:txBody>
+      </p:sp>
+    </p:spTree>
+    <p:extLst>
+      <p:ext uri="{BB962C8B-B14F-4D97-AF65-F5344CB8AC3E}">
+        <p14:creationId xmlns:p14="http://schemas.microsoft.com/office/powerpoint/2010/main" val="112938877"/>
+      </p:ext>
+    </p:extLst>
+  </p:cSld>
+  <p:clrMapOvr>
+    <a:masterClrMapping/>
+  </p:clrMapOvr>
+</p:notes>
+</file>
+
+<file path=ppt/notesSlides/notesSlide4.xml><?xml version="1.0" encoding="utf-8"?>
+<p:notes xmlns:a="http://schemas.openxmlformats.org/drawingml/2006/main" xmlns:r="http://schemas.openxmlformats.org/officeDocument/2006/relationships" xmlns:p="http://schemas.openxmlformats.org/presentationml/2006/main">
+  <p:cSld>
+    <p:spTree>
+      <p:nvGrpSpPr>
+        <p:cNvPr id="1" name=""/>
+        <p:cNvGrpSpPr/>
+        <p:nvPr/>
+      </p:nvGrpSpPr>
+      <p:grpSpPr>
+        <a:xfrm>
+          <a:off x="0" y="0"/>
+          <a:ext cx="0" cy="0"/>
+          <a:chOff x="0" y="0"/>
+          <a:chExt cx="0" cy="0"/>
+        </a:xfrm>
+      </p:grpSpPr>
+      <p:sp>
+        <p:nvSpPr>
+          <p:cNvPr id="2" name="投影片影像版面配置區 1"/>
+          <p:cNvSpPr>
+            <a:spLocks noGrp="1" noRot="1" noChangeAspect="1"/>
+          </p:cNvSpPr>
+          <p:nvPr>
+            <p:ph type="sldImg"/>
+          </p:nvPr>
+        </p:nvSpPr>
+        <p:spPr/>
+      </p:sp>
+      <p:sp>
+        <p:nvSpPr>
+          <p:cNvPr id="3" name="備忘稿版面配置區 2"/>
+          <p:cNvSpPr>
+            <a:spLocks noGrp="1"/>
+          </p:cNvSpPr>
+          <p:nvPr>
+            <p:ph type="body" idx="1"/>
+          </p:nvPr>
+        </p:nvSpPr>
+        <p:spPr/>
+        <p:txBody>
+          <a:bodyPr/>
+          <a:lstStyle/>
+          <a:p>
+            <a:r>
+              <a:rPr lang="zh-TW" altLang="en-US" sz="1200" b="0" i="0" kern="1200" dirty="0">
+                <a:solidFill>
+                  <a:schemeClr val="tx1"/>
+                </a:solidFill>
+                <a:effectLst/>
+                <a:latin typeface="+mn-lt"/>
+                <a:ea typeface="+mn-ea"/>
+                <a:cs typeface="+mn-cs"/>
+              </a:rPr>
+              <a:t>銀色短髮、穿著黑色外套、黑色牛仔褲、日本動漫風格、年齡大概</a:t>
+            </a:r>
+            <a:r>
+              <a:rPr lang="en-US" altLang="zh-TW" sz="1200" b="0" i="0" kern="1200" dirty="0">
+                <a:solidFill>
+                  <a:schemeClr val="tx1"/>
+                </a:solidFill>
+                <a:effectLst/>
+                <a:latin typeface="+mn-lt"/>
+                <a:ea typeface="+mn-ea"/>
+                <a:cs typeface="+mn-cs"/>
+              </a:rPr>
+              <a:t>20</a:t>
+            </a:r>
+            <a:r>
+              <a:rPr lang="zh-TW" altLang="en-US" sz="1200" b="0" i="0" kern="1200" dirty="0">
+                <a:solidFill>
+                  <a:schemeClr val="tx1"/>
+                </a:solidFill>
+                <a:effectLst/>
+                <a:latin typeface="+mn-lt"/>
+                <a:ea typeface="+mn-ea"/>
+                <a:cs typeface="+mn-cs"/>
+              </a:rPr>
+              <a:t>歲左右、要看起來成熟一點、眼睛是淺藍色的、在森林深處，遇到了一位神秘的旅者</a:t>
+            </a:r>
+            <a:endParaRPr lang="zh-TW" altLang="en-US" dirty="0"/>
+          </a:p>
+        </p:txBody>
+      </p:sp>
+      <p:sp>
+        <p:nvSpPr>
+          <p:cNvPr id="4" name="投影片編號版面配置區 3"/>
+          <p:cNvSpPr>
+            <a:spLocks noGrp="1"/>
+          </p:cNvSpPr>
+          <p:nvPr>
+            <p:ph type="sldNum" sz="quarter" idx="5"/>
+          </p:nvPr>
+        </p:nvSpPr>
+        <p:spPr/>
+        <p:txBody>
+          <a:bodyPr/>
+          <a:lstStyle/>
+          <a:p>
+            <a:fld id="{3FC78824-0431-4FDD-8235-17CB592AE055}" type="slidenum">
+              <a:rPr lang="zh-TW" altLang="en-US" smtClean="0"/>
+              <a:t>5</a:t>
+            </a:fld>
+            <a:endParaRPr lang="zh-TW" altLang="en-US"/>
+          </a:p>
+        </p:txBody>
+      </p:sp>
+    </p:spTree>
+    <p:extLst>
+      <p:ext uri="{BB962C8B-B14F-4D97-AF65-F5344CB8AC3E}">
+        <p14:creationId xmlns:p14="http://schemas.microsoft.com/office/powerpoint/2010/main" val="242171052"/>
+      </p:ext>
+    </p:extLst>
+  </p:cSld>
+  <p:clrMapOvr>
+    <a:masterClrMapping/>
+  </p:clrMapOvr>
+</p:notes>
+</file>
+
+<file path=ppt/notesSlides/notesSlide5.xml><?xml version="1.0" encoding="utf-8"?>
+<p:notes xmlns:a="http://schemas.openxmlformats.org/drawingml/2006/main" xmlns:r="http://schemas.openxmlformats.org/officeDocument/2006/relationships" xmlns:p="http://schemas.openxmlformats.org/presentationml/2006/main">
+  <p:cSld>
+    <p:spTree>
+      <p:nvGrpSpPr>
+        <p:cNvPr id="1" name=""/>
+        <p:cNvGrpSpPr/>
+        <p:nvPr/>
+      </p:nvGrpSpPr>
+      <p:grpSpPr>
+        <a:xfrm>
+          <a:off x="0" y="0"/>
+          <a:ext cx="0" cy="0"/>
+          <a:chOff x="0" y="0"/>
+          <a:chExt cx="0" cy="0"/>
+        </a:xfrm>
+      </p:grpSpPr>
+      <p:sp>
+        <p:nvSpPr>
+          <p:cNvPr id="2" name="投影片影像版面配置區 1"/>
+          <p:cNvSpPr>
+            <a:spLocks noGrp="1" noRot="1" noChangeAspect="1"/>
+          </p:cNvSpPr>
+          <p:nvPr>
+            <p:ph type="sldImg"/>
+          </p:nvPr>
+        </p:nvSpPr>
+        <p:spPr/>
+      </p:sp>
+      <p:sp>
+        <p:nvSpPr>
+          <p:cNvPr id="3" name="備忘稿版面配置區 2"/>
+          <p:cNvSpPr>
+            <a:spLocks noGrp="1"/>
+          </p:cNvSpPr>
+          <p:nvPr>
+            <p:ph type="body" idx="1"/>
+          </p:nvPr>
+        </p:nvSpPr>
+        <p:spPr/>
+        <p:txBody>
+          <a:bodyPr/>
+          <a:lstStyle/>
+          <a:p>
+            <a:r>
+              <a:rPr lang="zh-TW" altLang="en-US" dirty="0">
+                <a:effectLst/>
+              </a:rPr>
+              <a:t>銀色短髮、穿著黑色外套、黑色牛仔褲、日本動漫風格、年齡大概</a:t>
+            </a:r>
+            <a:r>
+              <a:rPr lang="en-US" altLang="zh-TW" dirty="0">
+                <a:effectLst/>
+              </a:rPr>
+              <a:t>20</a:t>
+            </a:r>
+            <a:r>
+              <a:rPr lang="zh-TW" altLang="en-US" dirty="0">
+                <a:effectLst/>
+              </a:rPr>
+              <a:t>歲左右、要看起來成熟一點、眼睛是淺藍色的、被困在異世界的森林裡面、在學習魔法</a:t>
+            </a:r>
+          </a:p>
+        </p:txBody>
+      </p:sp>
+      <p:sp>
+        <p:nvSpPr>
+          <p:cNvPr id="4" name="投影片編號版面配置區 3"/>
+          <p:cNvSpPr>
+            <a:spLocks noGrp="1"/>
+          </p:cNvSpPr>
+          <p:nvPr>
+            <p:ph type="sldNum" sz="quarter" idx="5"/>
+          </p:nvPr>
+        </p:nvSpPr>
+        <p:spPr/>
+        <p:txBody>
+          <a:bodyPr/>
+          <a:lstStyle/>
+          <a:p>
+            <a:fld id="{3FC78824-0431-4FDD-8235-17CB592AE055}" type="slidenum">
+              <a:rPr lang="zh-TW" altLang="en-US" smtClean="0"/>
+              <a:t>6</a:t>
+            </a:fld>
+            <a:endParaRPr lang="zh-TW" altLang="en-US"/>
+          </a:p>
+        </p:txBody>
+      </p:sp>
+    </p:spTree>
+    <p:extLst>
+      <p:ext uri="{BB962C8B-B14F-4D97-AF65-F5344CB8AC3E}">
+        <p14:creationId xmlns:p14="http://schemas.microsoft.com/office/powerpoint/2010/main" val="4196194400"/>
+      </p:ext>
+    </p:extLst>
+  </p:cSld>
+  <p:clrMapOvr>
+    <a:masterClrMapping/>
+  </p:clrMapOvr>
+</p:notes>
+</file>
+
+<file path=ppt/notesSlides/notesSlide6.xml><?xml version="1.0" encoding="utf-8"?>
+<p:notes xmlns:a="http://schemas.openxmlformats.org/drawingml/2006/main" xmlns:r="http://schemas.openxmlformats.org/officeDocument/2006/relationships" xmlns:p="http://schemas.openxmlformats.org/presentationml/2006/main">
+  <p:cSld>
+    <p:spTree>
+      <p:nvGrpSpPr>
+        <p:cNvPr id="1" name=""/>
+        <p:cNvGrpSpPr/>
+        <p:nvPr/>
+      </p:nvGrpSpPr>
+      <p:grpSpPr>
+        <a:xfrm>
+          <a:off x="0" y="0"/>
+          <a:ext cx="0" cy="0"/>
+          <a:chOff x="0" y="0"/>
+          <a:chExt cx="0" cy="0"/>
+        </a:xfrm>
+      </p:grpSpPr>
+      <p:sp>
+        <p:nvSpPr>
+          <p:cNvPr id="2" name="投影片影像版面配置區 1"/>
+          <p:cNvSpPr>
+            <a:spLocks noGrp="1" noRot="1" noChangeAspect="1"/>
+          </p:cNvSpPr>
+          <p:nvPr>
+            <p:ph type="sldImg"/>
+          </p:nvPr>
+        </p:nvSpPr>
+        <p:spPr/>
+      </p:sp>
+      <p:sp>
+        <p:nvSpPr>
+          <p:cNvPr id="3" name="備忘稿版面配置區 2"/>
+          <p:cNvSpPr>
+            <a:spLocks noGrp="1"/>
+          </p:cNvSpPr>
+          <p:nvPr>
+            <p:ph type="body" idx="1"/>
+          </p:nvPr>
+        </p:nvSpPr>
+        <p:spPr/>
+        <p:txBody>
+          <a:bodyPr/>
+          <a:lstStyle/>
+          <a:p>
+            <a:r>
+              <a:rPr lang="zh-TW" altLang="en-US" sz="1200" b="0" i="0" kern="1200" dirty="0">
+                <a:solidFill>
+                  <a:schemeClr val="tx1"/>
+                </a:solidFill>
+                <a:effectLst/>
+                <a:latin typeface="+mn-lt"/>
+                <a:ea typeface="+mn-ea"/>
+                <a:cs typeface="+mn-cs"/>
+              </a:rPr>
+              <a:t>銀色短髮、穿著黑色外套、黑色牛仔褲、日本動漫風格、年齡大概</a:t>
+            </a:r>
+            <a:r>
+              <a:rPr lang="en-US" altLang="zh-TW" sz="1200" b="0" i="0" kern="1200" dirty="0">
+                <a:solidFill>
+                  <a:schemeClr val="tx1"/>
+                </a:solidFill>
+                <a:effectLst/>
+                <a:latin typeface="+mn-lt"/>
+                <a:ea typeface="+mn-ea"/>
+                <a:cs typeface="+mn-cs"/>
+              </a:rPr>
+              <a:t>20</a:t>
+            </a:r>
+            <a:r>
+              <a:rPr lang="zh-TW" altLang="en-US" sz="1200" b="0" i="0" kern="1200" dirty="0">
+                <a:solidFill>
+                  <a:schemeClr val="tx1"/>
+                </a:solidFill>
+                <a:effectLst/>
+                <a:latin typeface="+mn-lt"/>
+                <a:ea typeface="+mn-ea"/>
+                <a:cs typeface="+mn-cs"/>
+              </a:rPr>
+              <a:t>歲左右、要看起來成熟一點、眼睛是淺藍色的、被困在異世界的森林裡面、打敗了哥布林</a:t>
+            </a:r>
+            <a:endParaRPr lang="zh-TW" altLang="en-US" dirty="0"/>
+          </a:p>
+        </p:txBody>
+      </p:sp>
+      <p:sp>
+        <p:nvSpPr>
+          <p:cNvPr id="4" name="投影片編號版面配置區 3"/>
+          <p:cNvSpPr>
+            <a:spLocks noGrp="1"/>
+          </p:cNvSpPr>
+          <p:nvPr>
+            <p:ph type="sldNum" sz="quarter" idx="5"/>
+          </p:nvPr>
+        </p:nvSpPr>
+        <p:spPr/>
+        <p:txBody>
+          <a:bodyPr/>
+          <a:lstStyle/>
+          <a:p>
+            <a:fld id="{3FC78824-0431-4FDD-8235-17CB592AE055}" type="slidenum">
+              <a:rPr lang="zh-TW" altLang="en-US" smtClean="0"/>
+              <a:t>7</a:t>
+            </a:fld>
+            <a:endParaRPr lang="zh-TW" altLang="en-US"/>
+          </a:p>
+        </p:txBody>
+      </p:sp>
+    </p:spTree>
+    <p:extLst>
+      <p:ext uri="{BB962C8B-B14F-4D97-AF65-F5344CB8AC3E}">
+        <p14:creationId xmlns:p14="http://schemas.microsoft.com/office/powerpoint/2010/main" val="3354957058"/>
+      </p:ext>
+    </p:extLst>
+  </p:cSld>
+  <p:clrMapOvr>
+    <a:masterClrMapping/>
+  </p:clrMapOvr>
+</p:notes>
+</file>
+
+<file path=ppt/notesSlides/notesSlide7.xml><?xml version="1.0" encoding="utf-8"?>
+<p:notes xmlns:a="http://schemas.openxmlformats.org/drawingml/2006/main" xmlns:r="http://schemas.openxmlformats.org/officeDocument/2006/relationships" xmlns:p="http://schemas.openxmlformats.org/presentationml/2006/main">
+  <p:cSld>
+    <p:spTree>
+      <p:nvGrpSpPr>
+        <p:cNvPr id="1" name=""/>
+        <p:cNvGrpSpPr/>
+        <p:nvPr/>
+      </p:nvGrpSpPr>
+      <p:grpSpPr>
+        <a:xfrm>
+          <a:off x="0" y="0"/>
+          <a:ext cx="0" cy="0"/>
+          <a:chOff x="0" y="0"/>
+          <a:chExt cx="0" cy="0"/>
+        </a:xfrm>
+      </p:grpSpPr>
+      <p:sp>
+        <p:nvSpPr>
+          <p:cNvPr id="2" name="投影片影像版面配置區 1"/>
+          <p:cNvSpPr>
+            <a:spLocks noGrp="1" noRot="1" noChangeAspect="1"/>
+          </p:cNvSpPr>
+          <p:nvPr>
+            <p:ph type="sldImg"/>
+          </p:nvPr>
+        </p:nvSpPr>
+        <p:spPr/>
+      </p:sp>
+      <p:sp>
+        <p:nvSpPr>
+          <p:cNvPr id="3" name="備忘稿版面配置區 2"/>
+          <p:cNvSpPr>
+            <a:spLocks noGrp="1"/>
+          </p:cNvSpPr>
+          <p:nvPr>
+            <p:ph type="body" idx="1"/>
+          </p:nvPr>
+        </p:nvSpPr>
+        <p:spPr/>
+        <p:txBody>
+          <a:bodyPr/>
+          <a:lstStyle/>
+          <a:p>
+            <a:r>
+              <a:rPr lang="zh-TW" altLang="en-US" sz="1200" b="0" i="0" kern="1200" dirty="0">
+                <a:solidFill>
+                  <a:schemeClr val="tx1"/>
+                </a:solidFill>
+                <a:effectLst/>
+                <a:latin typeface="+mn-lt"/>
+                <a:ea typeface="+mn-ea"/>
+                <a:cs typeface="+mn-cs"/>
+              </a:rPr>
+              <a:t>銀色短髮、穿著黑色外套、黑色牛仔褲、日本動漫風格、年齡大概</a:t>
+            </a:r>
+            <a:r>
+              <a:rPr lang="en-US" altLang="zh-TW" sz="1200" b="0" i="0" kern="1200" dirty="0">
+                <a:solidFill>
+                  <a:schemeClr val="tx1"/>
+                </a:solidFill>
+                <a:effectLst/>
+                <a:latin typeface="+mn-lt"/>
+                <a:ea typeface="+mn-ea"/>
+                <a:cs typeface="+mn-cs"/>
+              </a:rPr>
+              <a:t>20</a:t>
+            </a:r>
+            <a:r>
+              <a:rPr lang="zh-TW" altLang="en-US" sz="1200" b="0" i="0" kern="1200" dirty="0">
+                <a:solidFill>
+                  <a:schemeClr val="tx1"/>
+                </a:solidFill>
+                <a:effectLst/>
+                <a:latin typeface="+mn-lt"/>
+                <a:ea typeface="+mn-ea"/>
+                <a:cs typeface="+mn-cs"/>
+              </a:rPr>
+              <a:t>歲左右、要看起來成熟一點、眼睛是淺藍色的、被困在異世界的森林裡面、當我走出森林後，遇到了一位拿著水晶球的神祕老人</a:t>
+            </a:r>
+            <a:endParaRPr lang="zh-TW" altLang="en-US" dirty="0"/>
+          </a:p>
+        </p:txBody>
+      </p:sp>
+      <p:sp>
+        <p:nvSpPr>
+          <p:cNvPr id="4" name="投影片編號版面配置區 3"/>
+          <p:cNvSpPr>
+            <a:spLocks noGrp="1"/>
+          </p:cNvSpPr>
+          <p:nvPr>
+            <p:ph type="sldNum" sz="quarter" idx="5"/>
+          </p:nvPr>
+        </p:nvSpPr>
+        <p:spPr/>
+        <p:txBody>
+          <a:bodyPr/>
+          <a:lstStyle/>
+          <a:p>
+            <a:fld id="{3FC78824-0431-4FDD-8235-17CB592AE055}" type="slidenum">
+              <a:rPr lang="zh-TW" altLang="en-US" smtClean="0"/>
+              <a:t>8</a:t>
+            </a:fld>
+            <a:endParaRPr lang="zh-TW" altLang="en-US"/>
+          </a:p>
+        </p:txBody>
+      </p:sp>
+    </p:spTree>
+    <p:extLst>
+      <p:ext uri="{BB962C8B-B14F-4D97-AF65-F5344CB8AC3E}">
+        <p14:creationId xmlns:p14="http://schemas.microsoft.com/office/powerpoint/2010/main" val="2654239740"/>
+      </p:ext>
+    </p:extLst>
+  </p:cSld>
+  <p:clrMapOvr>
+    <a:masterClrMapping/>
+  </p:clrMapOvr>
+</p:notes>
+</file>
+
+<file path=ppt/notesSlides/notesSlide8.xml><?xml version="1.0" encoding="utf-8"?>
+<p:notes xmlns:a="http://schemas.openxmlformats.org/drawingml/2006/main" xmlns:r="http://schemas.openxmlformats.org/officeDocument/2006/relationships" xmlns:p="http://schemas.openxmlformats.org/presentationml/2006/main">
+  <p:cSld>
+    <p:spTree>
+      <p:nvGrpSpPr>
+        <p:cNvPr id="1" name=""/>
+        <p:cNvGrpSpPr/>
+        <p:nvPr/>
+      </p:nvGrpSpPr>
+      <p:grpSpPr>
+        <a:xfrm>
+          <a:off x="0" y="0"/>
+          <a:ext cx="0" cy="0"/>
+          <a:chOff x="0" y="0"/>
+          <a:chExt cx="0" cy="0"/>
+        </a:xfrm>
+      </p:grpSpPr>
+      <p:sp>
+        <p:nvSpPr>
+          <p:cNvPr id="2" name="投影片影像版面配置區 1"/>
+          <p:cNvSpPr>
+            <a:spLocks noGrp="1" noRot="1" noChangeAspect="1"/>
+          </p:cNvSpPr>
+          <p:nvPr>
+            <p:ph type="sldImg"/>
+          </p:nvPr>
+        </p:nvSpPr>
+        <p:spPr/>
+      </p:sp>
+      <p:sp>
+        <p:nvSpPr>
+          <p:cNvPr id="3" name="備忘稿版面配置區 2"/>
+          <p:cNvSpPr>
+            <a:spLocks noGrp="1"/>
+          </p:cNvSpPr>
+          <p:nvPr>
+            <p:ph type="body" idx="1"/>
+          </p:nvPr>
+        </p:nvSpPr>
+        <p:spPr/>
+        <p:txBody>
+          <a:bodyPr/>
+          <a:lstStyle/>
+          <a:p>
+            <a:r>
+              <a:rPr lang="zh-TW" altLang="en-US" sz="1200" b="0" i="0" kern="1200" dirty="0">
+                <a:solidFill>
+                  <a:schemeClr val="tx1"/>
+                </a:solidFill>
+                <a:effectLst/>
+                <a:latin typeface="+mn-lt"/>
+                <a:ea typeface="+mn-ea"/>
+                <a:cs typeface="+mn-cs"/>
+              </a:rPr>
+              <a:t>銀色短髮、穿著黑色外套、黑色牛仔褲、日本動漫風格、年齡大概</a:t>
+            </a:r>
+            <a:r>
+              <a:rPr lang="en-US" altLang="zh-TW" sz="1200" b="0" i="0" kern="1200" dirty="0">
+                <a:solidFill>
+                  <a:schemeClr val="tx1"/>
+                </a:solidFill>
+                <a:effectLst/>
+                <a:latin typeface="+mn-lt"/>
+                <a:ea typeface="+mn-ea"/>
+                <a:cs typeface="+mn-cs"/>
+              </a:rPr>
+              <a:t>20</a:t>
+            </a:r>
+            <a:r>
+              <a:rPr lang="zh-TW" altLang="en-US" sz="1200" b="0" i="0" kern="1200" dirty="0">
+                <a:solidFill>
+                  <a:schemeClr val="tx1"/>
+                </a:solidFill>
+                <a:effectLst/>
+                <a:latin typeface="+mn-lt"/>
+                <a:ea typeface="+mn-ea"/>
+                <a:cs typeface="+mn-cs"/>
+              </a:rPr>
+              <a:t>歲左右、要看起來成熟一點、眼睛是淺藍色的、背景是異世界，有兩個選擇，一個是尋找回家的路，一個是踏上找寶物的旅程，深思熟慮，決定找寶物</a:t>
+            </a:r>
+            <a:endParaRPr lang="zh-TW" altLang="en-US" dirty="0"/>
+          </a:p>
+        </p:txBody>
+      </p:sp>
+      <p:sp>
+        <p:nvSpPr>
+          <p:cNvPr id="4" name="投影片編號版面配置區 3"/>
+          <p:cNvSpPr>
+            <a:spLocks noGrp="1"/>
+          </p:cNvSpPr>
+          <p:nvPr>
+            <p:ph type="sldNum" sz="quarter" idx="5"/>
+          </p:nvPr>
+        </p:nvSpPr>
+        <p:spPr/>
+        <p:txBody>
+          <a:bodyPr/>
+          <a:lstStyle/>
+          <a:p>
+            <a:fld id="{3FC78824-0431-4FDD-8235-17CB592AE055}" type="slidenum">
+              <a:rPr lang="zh-TW" altLang="en-US" smtClean="0"/>
+              <a:t>9</a:t>
+            </a:fld>
+            <a:endParaRPr lang="zh-TW" altLang="en-US"/>
+          </a:p>
+        </p:txBody>
+      </p:sp>
+    </p:spTree>
+    <p:extLst>
+      <p:ext uri="{BB962C8B-B14F-4D97-AF65-F5344CB8AC3E}">
+        <p14:creationId xmlns:p14="http://schemas.microsoft.com/office/powerpoint/2010/main" val="3061669861"/>
+      </p:ext>
+    </p:extLst>
+  </p:cSld>
+  <p:clrMapOvr>
+    <a:masterClrMapping/>
+  </p:clrMapOvr>
+</p:notes>
+</file>
+
+<file path=ppt/notesSlides/notesSlide9.xml><?xml version="1.0" encoding="utf-8"?>
+<p:notes xmlns:a="http://schemas.openxmlformats.org/drawingml/2006/main" xmlns:r="http://schemas.openxmlformats.org/officeDocument/2006/relationships" xmlns:p="http://schemas.openxmlformats.org/presentationml/2006/main">
+  <p:cSld>
+    <p:spTree>
+      <p:nvGrpSpPr>
+        <p:cNvPr id="1" name=""/>
+        <p:cNvGrpSpPr/>
+        <p:nvPr/>
+      </p:nvGrpSpPr>
+      <p:grpSpPr>
+        <a:xfrm>
+          <a:off x="0" y="0"/>
+          <a:ext cx="0" cy="0"/>
+          <a:chOff x="0" y="0"/>
+          <a:chExt cx="0" cy="0"/>
+        </a:xfrm>
+      </p:grpSpPr>
+      <p:sp>
+        <p:nvSpPr>
+          <p:cNvPr id="2" name="投影片影像版面配置區 1"/>
+          <p:cNvSpPr>
+            <a:spLocks noGrp="1" noRot="1" noChangeAspect="1"/>
+          </p:cNvSpPr>
+          <p:nvPr>
+            <p:ph type="sldImg"/>
+          </p:nvPr>
+        </p:nvSpPr>
+        <p:spPr/>
+      </p:sp>
+      <p:sp>
+        <p:nvSpPr>
+          <p:cNvPr id="3" name="備忘稿版面配置區 2"/>
+          <p:cNvSpPr>
+            <a:spLocks noGrp="1"/>
+          </p:cNvSpPr>
+          <p:nvPr>
+            <p:ph type="body" idx="1"/>
+          </p:nvPr>
+        </p:nvSpPr>
+        <p:spPr/>
+        <p:txBody>
+          <a:bodyPr/>
+          <a:lstStyle/>
+          <a:p>
+            <a:r>
+              <a:rPr lang="zh-TW" altLang="en-US" sz="1200" b="0" i="0" kern="1200" dirty="0">
+                <a:solidFill>
+                  <a:schemeClr val="tx1"/>
+                </a:solidFill>
+                <a:effectLst/>
+                <a:latin typeface="+mn-lt"/>
+                <a:ea typeface="+mn-ea"/>
+                <a:cs typeface="+mn-cs"/>
+              </a:rPr>
+              <a:t>銀色短髮、穿著黑色外套、黑色牛仔褲、日本動漫風格、年齡大概</a:t>
+            </a:r>
+            <a:r>
+              <a:rPr lang="en-US" altLang="zh-TW" sz="1200" b="0" i="0" kern="1200" dirty="0">
+                <a:solidFill>
+                  <a:schemeClr val="tx1"/>
+                </a:solidFill>
+                <a:effectLst/>
+                <a:latin typeface="+mn-lt"/>
+                <a:ea typeface="+mn-ea"/>
+                <a:cs typeface="+mn-cs"/>
+              </a:rPr>
+              <a:t>20</a:t>
+            </a:r>
+            <a:r>
+              <a:rPr lang="zh-TW" altLang="en-US" sz="1200" b="0" i="0" kern="1200" dirty="0">
+                <a:solidFill>
+                  <a:schemeClr val="tx1"/>
+                </a:solidFill>
+                <a:effectLst/>
+                <a:latin typeface="+mn-lt"/>
+                <a:ea typeface="+mn-ea"/>
+                <a:cs typeface="+mn-cs"/>
+              </a:rPr>
+              <a:t>歲左右、要看起來成熟一點、眼睛是淺藍色的、背景是異世界，有兩個選擇，一個是尋找回家的路，一個是踏上找寶物的旅程，深思熟慮，決定找寶物</a:t>
+            </a:r>
+            <a:endParaRPr lang="zh-TW" altLang="en-US" dirty="0"/>
+          </a:p>
+        </p:txBody>
+      </p:sp>
+      <p:sp>
+        <p:nvSpPr>
+          <p:cNvPr id="4" name="投影片編號版面配置區 3"/>
+          <p:cNvSpPr>
+            <a:spLocks noGrp="1"/>
+          </p:cNvSpPr>
+          <p:nvPr>
+            <p:ph type="sldNum" sz="quarter" idx="5"/>
+          </p:nvPr>
+        </p:nvSpPr>
+        <p:spPr/>
+        <p:txBody>
+          <a:bodyPr/>
+          <a:lstStyle/>
+          <a:p>
+            <a:fld id="{3FC78824-0431-4FDD-8235-17CB592AE055}" type="slidenum">
+              <a:rPr lang="zh-TW" altLang="en-US" smtClean="0"/>
+              <a:t>10</a:t>
+            </a:fld>
+            <a:endParaRPr lang="zh-TW" altLang="en-US"/>
+          </a:p>
+        </p:txBody>
+      </p:sp>
+    </p:spTree>
+    <p:extLst>
+      <p:ext uri="{BB962C8B-B14F-4D97-AF65-F5344CB8AC3E}">
+        <p14:creationId xmlns:p14="http://schemas.microsoft.com/office/powerpoint/2010/main" val="932771293"/>
+      </p:ext>
+    </p:extLst>
+  </p:cSld>
+  <p:clrMapOvr>
+    <a:masterClrMapping/>
+  </p:clrMapOvr>
+</p:notes>
 </file>
 
 <file path=ppt/slideLayouts/slideLayout1.xml><?xml version="1.0" encoding="utf-8"?>
@@ -254,7 +1923,7 @@
           <a:p>
             <a:fld id="{C3C90D7E-32D6-4894-AE08-7BBB3E610FC9}" type="datetimeFigureOut">
               <a:rPr lang="zh-TW" altLang="en-US" smtClean="0"/>
-              <a:t>2024/9/16</a:t>
+              <a:t>2024/10/23</a:t>
             </a:fld>
             <a:endParaRPr lang="zh-TW" altLang="en-US"/>
           </a:p>
@@ -452,7 +2121,7 @@
           <a:p>
             <a:fld id="{C3C90D7E-32D6-4894-AE08-7BBB3E610FC9}" type="datetimeFigureOut">
               <a:rPr lang="zh-TW" altLang="en-US" smtClean="0"/>
-              <a:t>2024/9/16</a:t>
+              <a:t>2024/10/23</a:t>
             </a:fld>
             <a:endParaRPr lang="zh-TW" altLang="en-US"/>
           </a:p>
@@ -660,7 +2329,7 @@
           <a:p>
             <a:fld id="{C3C90D7E-32D6-4894-AE08-7BBB3E610FC9}" type="datetimeFigureOut">
               <a:rPr lang="zh-TW" altLang="en-US" smtClean="0"/>
-              <a:t>2024/9/16</a:t>
+              <a:t>2024/10/23</a:t>
             </a:fld>
             <a:endParaRPr lang="zh-TW" altLang="en-US"/>
           </a:p>
@@ -858,7 +2527,7 @@
           <a:p>
             <a:fld id="{C3C90D7E-32D6-4894-AE08-7BBB3E610FC9}" type="datetimeFigureOut">
               <a:rPr lang="zh-TW" altLang="en-US" smtClean="0"/>
-              <a:t>2024/9/16</a:t>
+              <a:t>2024/10/23</a:t>
             </a:fld>
             <a:endParaRPr lang="zh-TW" altLang="en-US"/>
           </a:p>
@@ -1133,7 +2802,7 @@
           <a:p>
             <a:fld id="{C3C90D7E-32D6-4894-AE08-7BBB3E610FC9}" type="datetimeFigureOut">
               <a:rPr lang="zh-TW" altLang="en-US" smtClean="0"/>
-              <a:t>2024/9/16</a:t>
+              <a:t>2024/10/23</a:t>
             </a:fld>
             <a:endParaRPr lang="zh-TW" altLang="en-US"/>
           </a:p>
@@ -1398,7 +3067,7 @@
           <a:p>
             <a:fld id="{C3C90D7E-32D6-4894-AE08-7BBB3E610FC9}" type="datetimeFigureOut">
               <a:rPr lang="zh-TW" altLang="en-US" smtClean="0"/>
-              <a:t>2024/9/16</a:t>
+              <a:t>2024/10/23</a:t>
             </a:fld>
             <a:endParaRPr lang="zh-TW" altLang="en-US"/>
           </a:p>
@@ -1810,7 +3479,7 @@
           <a:p>
             <a:fld id="{C3C90D7E-32D6-4894-AE08-7BBB3E610FC9}" type="datetimeFigureOut">
               <a:rPr lang="zh-TW" altLang="en-US" smtClean="0"/>
-              <a:t>2024/9/16</a:t>
+              <a:t>2024/10/23</a:t>
             </a:fld>
             <a:endParaRPr lang="zh-TW" altLang="en-US"/>
           </a:p>
@@ -1951,7 +3620,7 @@
           <a:p>
             <a:fld id="{C3C90D7E-32D6-4894-AE08-7BBB3E610FC9}" type="datetimeFigureOut">
               <a:rPr lang="zh-TW" altLang="en-US" smtClean="0"/>
-              <a:t>2024/9/16</a:t>
+              <a:t>2024/10/23</a:t>
             </a:fld>
             <a:endParaRPr lang="zh-TW" altLang="en-US"/>
           </a:p>
@@ -2064,7 +3733,7 @@
           <a:p>
             <a:fld id="{C3C90D7E-32D6-4894-AE08-7BBB3E610FC9}" type="datetimeFigureOut">
               <a:rPr lang="zh-TW" altLang="en-US" smtClean="0"/>
-              <a:t>2024/9/16</a:t>
+              <a:t>2024/10/23</a:t>
             </a:fld>
             <a:endParaRPr lang="zh-TW" altLang="en-US"/>
           </a:p>
@@ -2375,7 +4044,7 @@
           <a:p>
             <a:fld id="{C3C90D7E-32D6-4894-AE08-7BBB3E610FC9}" type="datetimeFigureOut">
               <a:rPr lang="zh-TW" altLang="en-US" smtClean="0"/>
-              <a:t>2024/9/16</a:t>
+              <a:t>2024/10/23</a:t>
             </a:fld>
             <a:endParaRPr lang="zh-TW" altLang="en-US"/>
           </a:p>
@@ -2663,7 +4332,7 @@
           <a:p>
             <a:fld id="{C3C90D7E-32D6-4894-AE08-7BBB3E610FC9}" type="datetimeFigureOut">
               <a:rPr lang="zh-TW" altLang="en-US" smtClean="0"/>
-              <a:t>2024/9/16</a:t>
+              <a:t>2024/10/23</a:t>
             </a:fld>
             <a:endParaRPr lang="zh-TW" altLang="en-US"/>
           </a:p>
@@ -2904,7 +4573,7 @@
           <a:p>
             <a:fld id="{C3C90D7E-32D6-4894-AE08-7BBB3E610FC9}" type="datetimeFigureOut">
               <a:rPr lang="zh-TW" altLang="en-US" smtClean="0"/>
-              <a:t>2024/9/16</a:t>
+              <a:t>2024/10/23</a:t>
             </a:fld>
             <a:endParaRPr lang="zh-TW" altLang="en-US"/>
           </a:p>
@@ -3307,6 +4976,16 @@
 <file path=ppt/slides/slide1.xml><?xml version="1.0" encoding="utf-8"?>
 <p:sld xmlns:a="http://schemas.openxmlformats.org/drawingml/2006/main" xmlns:r="http://schemas.openxmlformats.org/officeDocument/2006/relationships" xmlns:p="http://schemas.openxmlformats.org/presentationml/2006/main">
   <p:cSld>
+    <p:bg>
+      <p:bgPr>
+        <a:solidFill>
+          <a:schemeClr val="bg2">
+            <a:lumMod val="90000"/>
+          </a:schemeClr>
+        </a:solidFill>
+        <a:effectLst/>
+      </p:bgPr>
+    </p:bg>
     <p:spTree>
       <p:nvGrpSpPr>
         <p:cNvPr id="1" name=""/>
@@ -3337,12 +5016,25 @@
             <p:ph type="ctrTitle"/>
           </p:nvPr>
         </p:nvSpPr>
-        <p:spPr/>
-        <p:txBody>
-          <a:bodyPr/>
-          <a:lstStyle/>
-          <a:p>
-            <a:endParaRPr lang="zh-TW" altLang="en-US"/>
+        <p:spPr>
+          <a:xfrm>
+            <a:off x="1524000" y="1122363"/>
+            <a:ext cx="4060054" cy="1585326"/>
+          </a:xfrm>
+        </p:spPr>
+        <p:txBody>
+          <a:bodyPr>
+            <a:normAutofit/>
+          </a:bodyPr>
+          <a:lstStyle/>
+          <a:p>
+            <a:r>
+              <a:rPr lang="zh-TW" altLang="en-US" sz="5000" dirty="0">
+                <a:latin typeface="標楷體" panose="03000509000000000000" pitchFamily="65" charset="-120"/>
+                <a:ea typeface="標楷體" panose="03000509000000000000" pitchFamily="65" charset="-120"/>
+              </a:rPr>
+              <a:t>冒險故事</a:t>
+            </a:r>
           </a:p>
         </p:txBody>
       </p:sp>
@@ -3381,6 +5073,1607 @@
   <p:clrMapOvr>
     <a:masterClrMapping/>
   </p:clrMapOvr>
+</p:sld>
+</file>
+
+<file path=ppt/slides/slide10.xml><?xml version="1.0" encoding="utf-8"?>
+<p:sld xmlns:a="http://schemas.openxmlformats.org/drawingml/2006/main" xmlns:r="http://schemas.openxmlformats.org/officeDocument/2006/relationships" xmlns:p="http://schemas.openxmlformats.org/presentationml/2006/main">
+  <p:cSld>
+    <p:bg>
+      <p:bgPr>
+        <a:solidFill>
+          <a:schemeClr val="bg2">
+            <a:lumMod val="90000"/>
+          </a:schemeClr>
+        </a:solidFill>
+        <a:effectLst/>
+      </p:bgPr>
+    </p:bg>
+    <p:spTree>
+      <p:nvGrpSpPr>
+        <p:cNvPr id="1" name=""/>
+        <p:cNvGrpSpPr/>
+        <p:nvPr/>
+      </p:nvGrpSpPr>
+      <p:grpSpPr>
+        <a:xfrm>
+          <a:off x="0" y="0"/>
+          <a:ext cx="0" cy="0"/>
+          <a:chOff x="0" y="0"/>
+          <a:chExt cx="0" cy="0"/>
+        </a:xfrm>
+      </p:grpSpPr>
+      <p:sp>
+        <p:nvSpPr>
+          <p:cNvPr id="2" name="標題 1">
+            <a:extLst>
+              <a:ext uri="{FF2B5EF4-FFF2-40B4-BE49-F238E27FC236}">
+                <a16:creationId xmlns:a16="http://schemas.microsoft.com/office/drawing/2014/main" id="{32532283-9F93-4E44-8138-32796965361F}"/>
+              </a:ext>
+            </a:extLst>
+          </p:cNvPr>
+          <p:cNvSpPr>
+            <a:spLocks noGrp="1"/>
+          </p:cNvSpPr>
+          <p:nvPr>
+            <p:ph type="ctrTitle"/>
+          </p:nvPr>
+        </p:nvSpPr>
+        <p:spPr>
+          <a:xfrm>
+            <a:off x="1524000" y="1122363"/>
+            <a:ext cx="4060054" cy="1585326"/>
+          </a:xfrm>
+        </p:spPr>
+        <p:txBody>
+          <a:bodyPr>
+            <a:normAutofit/>
+          </a:bodyPr>
+          <a:lstStyle/>
+          <a:p>
+            <a:endParaRPr lang="zh-TW" altLang="en-US" sz="5000" dirty="0">
+              <a:latin typeface="標楷體" panose="03000509000000000000" pitchFamily="65" charset="-120"/>
+              <a:ea typeface="標楷體" panose="03000509000000000000" pitchFamily="65" charset="-120"/>
+            </a:endParaRPr>
+          </a:p>
+        </p:txBody>
+      </p:sp>
+      <p:sp>
+        <p:nvSpPr>
+          <p:cNvPr id="3" name="副標題 2">
+            <a:extLst>
+              <a:ext uri="{FF2B5EF4-FFF2-40B4-BE49-F238E27FC236}">
+                <a16:creationId xmlns:a16="http://schemas.microsoft.com/office/drawing/2014/main" id="{8C946F38-524D-4B98-B9CB-80AEE57E455A}"/>
+              </a:ext>
+            </a:extLst>
+          </p:cNvPr>
+          <p:cNvSpPr>
+            <a:spLocks noGrp="1"/>
+          </p:cNvSpPr>
+          <p:nvPr>
+            <p:ph type="subTitle" idx="1"/>
+          </p:nvPr>
+        </p:nvSpPr>
+        <p:spPr/>
+        <p:txBody>
+          <a:bodyPr/>
+          <a:lstStyle/>
+          <a:p>
+            <a:endParaRPr lang="zh-TW" altLang="en-US"/>
+          </a:p>
+        </p:txBody>
+      </p:sp>
+      <p:pic>
+        <p:nvPicPr>
+          <p:cNvPr id="8" name="圖片 7">
+            <a:extLst>
+              <a:ext uri="{FF2B5EF4-FFF2-40B4-BE49-F238E27FC236}">
+                <a16:creationId xmlns:a16="http://schemas.microsoft.com/office/drawing/2014/main" id="{5D1048D6-0357-4D98-A27A-E8C5148C554C}"/>
+              </a:ext>
+            </a:extLst>
+          </p:cNvPr>
+          <p:cNvPicPr>
+            <a:picLocks noChangeAspect="1"/>
+          </p:cNvPicPr>
+          <p:nvPr/>
+        </p:nvPicPr>
+        <p:blipFill>
+          <a:blip r:embed="rId3">
+            <a:extLst>
+              <a:ext uri="{28A0092B-C50C-407E-A947-70E740481C1C}">
+                <a14:useLocalDpi xmlns:a14="http://schemas.microsoft.com/office/drawing/2010/main" val="0"/>
+              </a:ext>
+            </a:extLst>
+          </a:blip>
+          <a:stretch>
+            <a:fillRect/>
+          </a:stretch>
+        </p:blipFill>
+        <p:spPr>
+          <a:xfrm>
+            <a:off x="0" y="0"/>
+            <a:ext cx="6858000" cy="6858000"/>
+          </a:xfrm>
+          <a:prstGeom prst="rect">
+            <a:avLst/>
+          </a:prstGeom>
+        </p:spPr>
+      </p:pic>
+    </p:spTree>
+    <p:extLst>
+      <p:ext uri="{BB962C8B-B14F-4D97-AF65-F5344CB8AC3E}">
+        <p14:creationId xmlns:p14="http://schemas.microsoft.com/office/powerpoint/2010/main" val="1850810322"/>
+      </p:ext>
+    </p:extLst>
+  </p:cSld>
+  <p:clrMapOvr>
+    <a:masterClrMapping/>
+  </p:clrMapOvr>
+  <mc:AlternateContent xmlns:mc="http://schemas.openxmlformats.org/markup-compatibility/2006">
+    <mc:Choice xmlns:p14="http://schemas.microsoft.com/office/powerpoint/2010/main" Requires="p14">
+      <p:transition spd="slow" p14:dur="3400">
+        <p14:reveal/>
+      </p:transition>
+    </mc:Choice>
+    <mc:Fallback>
+      <p:transition spd="slow">
+        <p:fade/>
+      </p:transition>
+    </mc:Fallback>
+  </mc:AlternateContent>
+</p:sld>
+</file>
+
+<file path=ppt/slides/slide11.xml><?xml version="1.0" encoding="utf-8"?>
+<p:sld xmlns:a="http://schemas.openxmlformats.org/drawingml/2006/main" xmlns:r="http://schemas.openxmlformats.org/officeDocument/2006/relationships" xmlns:p="http://schemas.openxmlformats.org/presentationml/2006/main">
+  <p:cSld>
+    <p:bg>
+      <p:bgPr>
+        <a:solidFill>
+          <a:schemeClr val="bg2">
+            <a:lumMod val="90000"/>
+          </a:schemeClr>
+        </a:solidFill>
+        <a:effectLst/>
+      </p:bgPr>
+    </p:bg>
+    <p:spTree>
+      <p:nvGrpSpPr>
+        <p:cNvPr id="1" name=""/>
+        <p:cNvGrpSpPr/>
+        <p:nvPr/>
+      </p:nvGrpSpPr>
+      <p:grpSpPr>
+        <a:xfrm>
+          <a:off x="0" y="0"/>
+          <a:ext cx="0" cy="0"/>
+          <a:chOff x="0" y="0"/>
+          <a:chExt cx="0" cy="0"/>
+        </a:xfrm>
+      </p:grpSpPr>
+      <p:sp>
+        <p:nvSpPr>
+          <p:cNvPr id="2" name="標題 1">
+            <a:extLst>
+              <a:ext uri="{FF2B5EF4-FFF2-40B4-BE49-F238E27FC236}">
+                <a16:creationId xmlns:a16="http://schemas.microsoft.com/office/drawing/2014/main" id="{32532283-9F93-4E44-8138-32796965361F}"/>
+              </a:ext>
+            </a:extLst>
+          </p:cNvPr>
+          <p:cNvSpPr>
+            <a:spLocks noGrp="1"/>
+          </p:cNvSpPr>
+          <p:nvPr>
+            <p:ph type="ctrTitle"/>
+          </p:nvPr>
+        </p:nvSpPr>
+        <p:spPr>
+          <a:xfrm>
+            <a:off x="1524000" y="1122363"/>
+            <a:ext cx="4060054" cy="1585326"/>
+          </a:xfrm>
+        </p:spPr>
+        <p:txBody>
+          <a:bodyPr>
+            <a:normAutofit/>
+          </a:bodyPr>
+          <a:lstStyle/>
+          <a:p>
+            <a:endParaRPr lang="zh-TW" altLang="en-US" sz="5000" dirty="0">
+              <a:latin typeface="標楷體" panose="03000509000000000000" pitchFamily="65" charset="-120"/>
+              <a:ea typeface="標楷體" panose="03000509000000000000" pitchFamily="65" charset="-120"/>
+            </a:endParaRPr>
+          </a:p>
+        </p:txBody>
+      </p:sp>
+      <p:sp>
+        <p:nvSpPr>
+          <p:cNvPr id="3" name="副標題 2">
+            <a:extLst>
+              <a:ext uri="{FF2B5EF4-FFF2-40B4-BE49-F238E27FC236}">
+                <a16:creationId xmlns:a16="http://schemas.microsoft.com/office/drawing/2014/main" id="{8C946F38-524D-4B98-B9CB-80AEE57E455A}"/>
+              </a:ext>
+            </a:extLst>
+          </p:cNvPr>
+          <p:cNvSpPr>
+            <a:spLocks noGrp="1"/>
+          </p:cNvSpPr>
+          <p:nvPr>
+            <p:ph type="subTitle" idx="1"/>
+          </p:nvPr>
+        </p:nvSpPr>
+        <p:spPr/>
+        <p:txBody>
+          <a:bodyPr/>
+          <a:lstStyle/>
+          <a:p>
+            <a:endParaRPr lang="zh-TW" altLang="en-US"/>
+          </a:p>
+        </p:txBody>
+      </p:sp>
+      <p:pic>
+        <p:nvPicPr>
+          <p:cNvPr id="5" name="圖片 4">
+            <a:extLst>
+              <a:ext uri="{FF2B5EF4-FFF2-40B4-BE49-F238E27FC236}">
+                <a16:creationId xmlns:a16="http://schemas.microsoft.com/office/drawing/2014/main" id="{EFAF8A73-5ECC-4408-971A-A0096A7329C0}"/>
+              </a:ext>
+            </a:extLst>
+          </p:cNvPr>
+          <p:cNvPicPr>
+            <a:picLocks noChangeAspect="1"/>
+          </p:cNvPicPr>
+          <p:nvPr/>
+        </p:nvPicPr>
+        <p:blipFill>
+          <a:blip r:embed="rId3">
+            <a:extLst>
+              <a:ext uri="{28A0092B-C50C-407E-A947-70E740481C1C}">
+                <a14:useLocalDpi xmlns:a14="http://schemas.microsoft.com/office/drawing/2010/main" val="0"/>
+              </a:ext>
+            </a:extLst>
+          </a:blip>
+          <a:stretch>
+            <a:fillRect/>
+          </a:stretch>
+        </p:blipFill>
+        <p:spPr>
+          <a:xfrm>
+            <a:off x="0" y="0"/>
+            <a:ext cx="6858000" cy="6858000"/>
+          </a:xfrm>
+          <a:prstGeom prst="rect">
+            <a:avLst/>
+          </a:prstGeom>
+        </p:spPr>
+      </p:pic>
+    </p:spTree>
+    <p:extLst>
+      <p:ext uri="{BB962C8B-B14F-4D97-AF65-F5344CB8AC3E}">
+        <p14:creationId xmlns:p14="http://schemas.microsoft.com/office/powerpoint/2010/main" val="2127544043"/>
+      </p:ext>
+    </p:extLst>
+  </p:cSld>
+  <p:clrMapOvr>
+    <a:masterClrMapping/>
+  </p:clrMapOvr>
+  <p:transition spd="slow">
+    <p:randomBar dir="vert"/>
+  </p:transition>
+</p:sld>
+</file>
+
+<file path=ppt/slides/slide12.xml><?xml version="1.0" encoding="utf-8"?>
+<p:sld xmlns:a="http://schemas.openxmlformats.org/drawingml/2006/main" xmlns:r="http://schemas.openxmlformats.org/officeDocument/2006/relationships" xmlns:p="http://schemas.openxmlformats.org/presentationml/2006/main">
+  <p:cSld>
+    <p:bg>
+      <p:bgPr>
+        <a:solidFill>
+          <a:schemeClr val="bg2">
+            <a:lumMod val="90000"/>
+          </a:schemeClr>
+        </a:solidFill>
+        <a:effectLst/>
+      </p:bgPr>
+    </p:bg>
+    <p:spTree>
+      <p:nvGrpSpPr>
+        <p:cNvPr id="1" name=""/>
+        <p:cNvGrpSpPr/>
+        <p:nvPr/>
+      </p:nvGrpSpPr>
+      <p:grpSpPr>
+        <a:xfrm>
+          <a:off x="0" y="0"/>
+          <a:ext cx="0" cy="0"/>
+          <a:chOff x="0" y="0"/>
+          <a:chExt cx="0" cy="0"/>
+        </a:xfrm>
+      </p:grpSpPr>
+      <p:sp>
+        <p:nvSpPr>
+          <p:cNvPr id="2" name="標題 1">
+            <a:extLst>
+              <a:ext uri="{FF2B5EF4-FFF2-40B4-BE49-F238E27FC236}">
+                <a16:creationId xmlns:a16="http://schemas.microsoft.com/office/drawing/2014/main" id="{32532283-9F93-4E44-8138-32796965361F}"/>
+              </a:ext>
+            </a:extLst>
+          </p:cNvPr>
+          <p:cNvSpPr>
+            <a:spLocks noGrp="1"/>
+          </p:cNvSpPr>
+          <p:nvPr>
+            <p:ph type="ctrTitle"/>
+          </p:nvPr>
+        </p:nvSpPr>
+        <p:spPr>
+          <a:xfrm>
+            <a:off x="1524000" y="1122363"/>
+            <a:ext cx="4060054" cy="1585326"/>
+          </a:xfrm>
+        </p:spPr>
+        <p:txBody>
+          <a:bodyPr>
+            <a:normAutofit/>
+          </a:bodyPr>
+          <a:lstStyle/>
+          <a:p>
+            <a:endParaRPr lang="zh-TW" altLang="en-US" sz="5000" dirty="0">
+              <a:latin typeface="標楷體" panose="03000509000000000000" pitchFamily="65" charset="-120"/>
+              <a:ea typeface="標楷體" panose="03000509000000000000" pitchFamily="65" charset="-120"/>
+            </a:endParaRPr>
+          </a:p>
+        </p:txBody>
+      </p:sp>
+      <p:sp>
+        <p:nvSpPr>
+          <p:cNvPr id="3" name="副標題 2">
+            <a:extLst>
+              <a:ext uri="{FF2B5EF4-FFF2-40B4-BE49-F238E27FC236}">
+                <a16:creationId xmlns:a16="http://schemas.microsoft.com/office/drawing/2014/main" id="{8C946F38-524D-4B98-B9CB-80AEE57E455A}"/>
+              </a:ext>
+            </a:extLst>
+          </p:cNvPr>
+          <p:cNvSpPr>
+            <a:spLocks noGrp="1"/>
+          </p:cNvSpPr>
+          <p:nvPr>
+            <p:ph type="subTitle" idx="1"/>
+          </p:nvPr>
+        </p:nvSpPr>
+        <p:spPr/>
+        <p:txBody>
+          <a:bodyPr/>
+          <a:lstStyle/>
+          <a:p>
+            <a:endParaRPr lang="zh-TW" altLang="en-US"/>
+          </a:p>
+        </p:txBody>
+      </p:sp>
+      <p:pic>
+        <p:nvPicPr>
+          <p:cNvPr id="6" name="圖片 5">
+            <a:extLst>
+              <a:ext uri="{FF2B5EF4-FFF2-40B4-BE49-F238E27FC236}">
+                <a16:creationId xmlns:a16="http://schemas.microsoft.com/office/drawing/2014/main" id="{56CF0034-8515-430A-B0EE-718261006723}"/>
+              </a:ext>
+            </a:extLst>
+          </p:cNvPr>
+          <p:cNvPicPr>
+            <a:picLocks noChangeAspect="1"/>
+          </p:cNvPicPr>
+          <p:nvPr/>
+        </p:nvPicPr>
+        <p:blipFill>
+          <a:blip r:embed="rId3">
+            <a:extLst>
+              <a:ext uri="{28A0092B-C50C-407E-A947-70E740481C1C}">
+                <a14:useLocalDpi xmlns:a14="http://schemas.microsoft.com/office/drawing/2010/main" val="0"/>
+              </a:ext>
+            </a:extLst>
+          </a:blip>
+          <a:stretch>
+            <a:fillRect/>
+          </a:stretch>
+        </p:blipFill>
+        <p:spPr>
+          <a:xfrm>
+            <a:off x="0" y="0"/>
+            <a:ext cx="6858000" cy="6858000"/>
+          </a:xfrm>
+          <a:prstGeom prst="rect">
+            <a:avLst/>
+          </a:prstGeom>
+        </p:spPr>
+      </p:pic>
+    </p:spTree>
+    <p:extLst>
+      <p:ext uri="{BB962C8B-B14F-4D97-AF65-F5344CB8AC3E}">
+        <p14:creationId xmlns:p14="http://schemas.microsoft.com/office/powerpoint/2010/main" val="1001174543"/>
+      </p:ext>
+    </p:extLst>
+  </p:cSld>
+  <p:clrMapOvr>
+    <a:masterClrMapping/>
+  </p:clrMapOvr>
+  <mc:AlternateContent xmlns:mc="http://schemas.openxmlformats.org/markup-compatibility/2006">
+    <mc:Choice xmlns:p15="http://schemas.microsoft.com/office/powerpoint/2012/main" Requires="p15">
+      <p:transition xmlns:p14="http://schemas.microsoft.com/office/powerpoint/2010/main" spd="slow" p14:dur="6000">
+        <p15:prstTrans prst="curtains"/>
+      </p:transition>
+    </mc:Choice>
+    <mc:Fallback>
+      <p:transition spd="slow">
+        <p:fade/>
+      </p:transition>
+    </mc:Fallback>
+  </mc:AlternateContent>
+</p:sld>
+</file>
+
+<file path=ppt/slides/slide2.xml><?xml version="1.0" encoding="utf-8"?>
+<p:sld xmlns:a="http://schemas.openxmlformats.org/drawingml/2006/main" xmlns:r="http://schemas.openxmlformats.org/officeDocument/2006/relationships" xmlns:p="http://schemas.openxmlformats.org/presentationml/2006/main">
+  <p:cSld>
+    <p:bg>
+      <p:bgPr>
+        <a:solidFill>
+          <a:schemeClr val="bg2">
+            <a:lumMod val="90000"/>
+          </a:schemeClr>
+        </a:solidFill>
+        <a:effectLst/>
+      </p:bgPr>
+    </p:bg>
+    <p:spTree>
+      <p:nvGrpSpPr>
+        <p:cNvPr id="1" name=""/>
+        <p:cNvGrpSpPr/>
+        <p:nvPr/>
+      </p:nvGrpSpPr>
+      <p:grpSpPr>
+        <a:xfrm>
+          <a:off x="0" y="0"/>
+          <a:ext cx="0" cy="0"/>
+          <a:chOff x="0" y="0"/>
+          <a:chExt cx="0" cy="0"/>
+        </a:xfrm>
+      </p:grpSpPr>
+      <p:sp>
+        <p:nvSpPr>
+          <p:cNvPr id="2" name="標題 1">
+            <a:extLst>
+              <a:ext uri="{FF2B5EF4-FFF2-40B4-BE49-F238E27FC236}">
+                <a16:creationId xmlns:a16="http://schemas.microsoft.com/office/drawing/2014/main" id="{32532283-9F93-4E44-8138-32796965361F}"/>
+              </a:ext>
+            </a:extLst>
+          </p:cNvPr>
+          <p:cNvSpPr>
+            <a:spLocks noGrp="1"/>
+          </p:cNvSpPr>
+          <p:nvPr>
+            <p:ph type="ctrTitle"/>
+          </p:nvPr>
+        </p:nvSpPr>
+        <p:spPr>
+          <a:xfrm>
+            <a:off x="1524000" y="1122363"/>
+            <a:ext cx="4060054" cy="1585326"/>
+          </a:xfrm>
+        </p:spPr>
+        <p:txBody>
+          <a:bodyPr>
+            <a:normAutofit/>
+          </a:bodyPr>
+          <a:lstStyle/>
+          <a:p>
+            <a:endParaRPr lang="zh-TW" altLang="en-US" sz="5000" dirty="0">
+              <a:latin typeface="標楷體" panose="03000509000000000000" pitchFamily="65" charset="-120"/>
+              <a:ea typeface="標楷體" panose="03000509000000000000" pitchFamily="65" charset="-120"/>
+            </a:endParaRPr>
+          </a:p>
+        </p:txBody>
+      </p:sp>
+      <p:sp>
+        <p:nvSpPr>
+          <p:cNvPr id="3" name="副標題 2">
+            <a:extLst>
+              <a:ext uri="{FF2B5EF4-FFF2-40B4-BE49-F238E27FC236}">
+                <a16:creationId xmlns:a16="http://schemas.microsoft.com/office/drawing/2014/main" id="{8C946F38-524D-4B98-B9CB-80AEE57E455A}"/>
+              </a:ext>
+            </a:extLst>
+          </p:cNvPr>
+          <p:cNvSpPr>
+            <a:spLocks noGrp="1"/>
+          </p:cNvSpPr>
+          <p:nvPr>
+            <p:ph type="subTitle" idx="1"/>
+          </p:nvPr>
+        </p:nvSpPr>
+        <p:spPr/>
+        <p:txBody>
+          <a:bodyPr/>
+          <a:lstStyle/>
+          <a:p>
+            <a:endParaRPr lang="zh-TW" altLang="en-US" dirty="0"/>
+          </a:p>
+        </p:txBody>
+      </p:sp>
+      <p:pic>
+        <p:nvPicPr>
+          <p:cNvPr id="5" name="圖片 4">
+            <a:extLst>
+              <a:ext uri="{FF2B5EF4-FFF2-40B4-BE49-F238E27FC236}">
+                <a16:creationId xmlns:a16="http://schemas.microsoft.com/office/drawing/2014/main" id="{6C26E193-6D11-4575-BACA-BBA091676620}"/>
+              </a:ext>
+            </a:extLst>
+          </p:cNvPr>
+          <p:cNvPicPr>
+            <a:picLocks noChangeAspect="1"/>
+          </p:cNvPicPr>
+          <p:nvPr/>
+        </p:nvPicPr>
+        <p:blipFill>
+          <a:blip r:embed="rId3">
+            <a:extLst>
+              <a:ext uri="{28A0092B-C50C-407E-A947-70E740481C1C}">
+                <a14:useLocalDpi xmlns:a14="http://schemas.microsoft.com/office/drawing/2010/main" val="0"/>
+              </a:ext>
+            </a:extLst>
+          </a:blip>
+          <a:stretch>
+            <a:fillRect/>
+          </a:stretch>
+        </p:blipFill>
+        <p:spPr>
+          <a:xfrm>
+            <a:off x="0" y="0"/>
+            <a:ext cx="6858000" cy="6858000"/>
+          </a:xfrm>
+          <a:prstGeom prst="rect">
+            <a:avLst/>
+          </a:prstGeom>
+        </p:spPr>
+      </p:pic>
+    </p:spTree>
+    <p:extLst>
+      <p:ext uri="{BB962C8B-B14F-4D97-AF65-F5344CB8AC3E}">
+        <p14:creationId xmlns:p14="http://schemas.microsoft.com/office/powerpoint/2010/main" val="1442990496"/>
+      </p:ext>
+    </p:extLst>
+  </p:cSld>
+  <p:clrMapOvr>
+    <a:masterClrMapping/>
+  </p:clrMapOvr>
+  <mc:AlternateContent xmlns:mc="http://schemas.openxmlformats.org/markup-compatibility/2006">
+    <mc:Choice xmlns:p14="http://schemas.microsoft.com/office/powerpoint/2010/main" Requires="p14">
+      <p:transition spd="slow" p14:dur="3400">
+        <p14:reveal/>
+      </p:transition>
+    </mc:Choice>
+    <mc:Fallback>
+      <p:transition spd="slow">
+        <p:fade/>
+      </p:transition>
+    </mc:Fallback>
+  </mc:AlternateContent>
+</p:sld>
+</file>
+
+<file path=ppt/slides/slide3.xml><?xml version="1.0" encoding="utf-8"?>
+<p:sld xmlns:a="http://schemas.openxmlformats.org/drawingml/2006/main" xmlns:r="http://schemas.openxmlformats.org/officeDocument/2006/relationships" xmlns:p="http://schemas.openxmlformats.org/presentationml/2006/main">
+  <p:cSld>
+    <p:bg>
+      <p:bgPr>
+        <a:solidFill>
+          <a:schemeClr val="bg2">
+            <a:lumMod val="90000"/>
+          </a:schemeClr>
+        </a:solidFill>
+        <a:effectLst/>
+      </p:bgPr>
+    </p:bg>
+    <p:spTree>
+      <p:nvGrpSpPr>
+        <p:cNvPr id="1" name=""/>
+        <p:cNvGrpSpPr/>
+        <p:nvPr/>
+      </p:nvGrpSpPr>
+      <p:grpSpPr>
+        <a:xfrm>
+          <a:off x="0" y="0"/>
+          <a:ext cx="0" cy="0"/>
+          <a:chOff x="0" y="0"/>
+          <a:chExt cx="0" cy="0"/>
+        </a:xfrm>
+      </p:grpSpPr>
+      <p:sp>
+        <p:nvSpPr>
+          <p:cNvPr id="2" name="標題 1">
+            <a:extLst>
+              <a:ext uri="{FF2B5EF4-FFF2-40B4-BE49-F238E27FC236}">
+                <a16:creationId xmlns:a16="http://schemas.microsoft.com/office/drawing/2014/main" id="{32532283-9F93-4E44-8138-32796965361F}"/>
+              </a:ext>
+            </a:extLst>
+          </p:cNvPr>
+          <p:cNvSpPr>
+            <a:spLocks noGrp="1"/>
+          </p:cNvSpPr>
+          <p:nvPr>
+            <p:ph type="ctrTitle"/>
+          </p:nvPr>
+        </p:nvSpPr>
+        <p:spPr>
+          <a:xfrm>
+            <a:off x="1524000" y="1122363"/>
+            <a:ext cx="4060054" cy="1585326"/>
+          </a:xfrm>
+        </p:spPr>
+        <p:txBody>
+          <a:bodyPr>
+            <a:normAutofit/>
+          </a:bodyPr>
+          <a:lstStyle/>
+          <a:p>
+            <a:endParaRPr lang="zh-TW" altLang="en-US" sz="5000" dirty="0">
+              <a:latin typeface="標楷體" panose="03000509000000000000" pitchFamily="65" charset="-120"/>
+              <a:ea typeface="標楷體" panose="03000509000000000000" pitchFamily="65" charset="-120"/>
+            </a:endParaRPr>
+          </a:p>
+        </p:txBody>
+      </p:sp>
+      <p:sp>
+        <p:nvSpPr>
+          <p:cNvPr id="3" name="副標題 2">
+            <a:extLst>
+              <a:ext uri="{FF2B5EF4-FFF2-40B4-BE49-F238E27FC236}">
+                <a16:creationId xmlns:a16="http://schemas.microsoft.com/office/drawing/2014/main" id="{8C946F38-524D-4B98-B9CB-80AEE57E455A}"/>
+              </a:ext>
+            </a:extLst>
+          </p:cNvPr>
+          <p:cNvSpPr>
+            <a:spLocks noGrp="1"/>
+          </p:cNvSpPr>
+          <p:nvPr>
+            <p:ph type="subTitle" idx="1"/>
+          </p:nvPr>
+        </p:nvSpPr>
+        <p:spPr/>
+        <p:txBody>
+          <a:bodyPr/>
+          <a:lstStyle/>
+          <a:p>
+            <a:endParaRPr lang="zh-TW" altLang="en-US"/>
+          </a:p>
+        </p:txBody>
+      </p:sp>
+      <p:pic>
+        <p:nvPicPr>
+          <p:cNvPr id="6" name="圖片 5">
+            <a:extLst>
+              <a:ext uri="{FF2B5EF4-FFF2-40B4-BE49-F238E27FC236}">
+                <a16:creationId xmlns:a16="http://schemas.microsoft.com/office/drawing/2014/main" id="{0AD40209-45A8-4FE7-B760-7E417A62E621}"/>
+              </a:ext>
+            </a:extLst>
+          </p:cNvPr>
+          <p:cNvPicPr>
+            <a:picLocks noChangeAspect="1"/>
+          </p:cNvPicPr>
+          <p:nvPr/>
+        </p:nvPicPr>
+        <p:blipFill>
+          <a:blip r:embed="rId3">
+            <a:extLst>
+              <a:ext uri="{28A0092B-C50C-407E-A947-70E740481C1C}">
+                <a14:useLocalDpi xmlns:a14="http://schemas.microsoft.com/office/drawing/2010/main" val="0"/>
+              </a:ext>
+            </a:extLst>
+          </a:blip>
+          <a:stretch>
+            <a:fillRect/>
+          </a:stretch>
+        </p:blipFill>
+        <p:spPr>
+          <a:xfrm>
+            <a:off x="0" y="0"/>
+            <a:ext cx="6858000" cy="6858000"/>
+          </a:xfrm>
+          <a:prstGeom prst="rect">
+            <a:avLst/>
+          </a:prstGeom>
+        </p:spPr>
+      </p:pic>
+    </p:spTree>
+    <p:extLst>
+      <p:ext uri="{BB962C8B-B14F-4D97-AF65-F5344CB8AC3E}">
+        <p14:creationId xmlns:p14="http://schemas.microsoft.com/office/powerpoint/2010/main" val="3680524565"/>
+      </p:ext>
+    </p:extLst>
+  </p:cSld>
+  <p:clrMapOvr>
+    <a:masterClrMapping/>
+  </p:clrMapOvr>
+  <mc:AlternateContent xmlns:mc="http://schemas.openxmlformats.org/markup-compatibility/2006">
+    <mc:Choice xmlns:p159="http://schemas.microsoft.com/office/powerpoint/2015/09/main" Requires="p159">
+      <p:transition xmlns:p14="http://schemas.microsoft.com/office/powerpoint/2010/main" spd="slow" p14:dur="2000">
+        <p159:morph option="byObject"/>
+      </p:transition>
+    </mc:Choice>
+    <mc:Fallback>
+      <p:transition spd="slow">
+        <p:fade/>
+      </p:transition>
+    </mc:Fallback>
+  </mc:AlternateContent>
+</p:sld>
+</file>
+
+<file path=ppt/slides/slide4.xml><?xml version="1.0" encoding="utf-8"?>
+<p:sld xmlns:a="http://schemas.openxmlformats.org/drawingml/2006/main" xmlns:r="http://schemas.openxmlformats.org/officeDocument/2006/relationships" xmlns:p="http://schemas.openxmlformats.org/presentationml/2006/main">
+  <p:cSld>
+    <p:bg>
+      <p:bgPr>
+        <a:solidFill>
+          <a:schemeClr val="bg2">
+            <a:lumMod val="90000"/>
+          </a:schemeClr>
+        </a:solidFill>
+        <a:effectLst/>
+      </p:bgPr>
+    </p:bg>
+    <p:spTree>
+      <p:nvGrpSpPr>
+        <p:cNvPr id="1" name=""/>
+        <p:cNvGrpSpPr/>
+        <p:nvPr/>
+      </p:nvGrpSpPr>
+      <p:grpSpPr>
+        <a:xfrm>
+          <a:off x="0" y="0"/>
+          <a:ext cx="0" cy="0"/>
+          <a:chOff x="0" y="0"/>
+          <a:chExt cx="0" cy="0"/>
+        </a:xfrm>
+      </p:grpSpPr>
+      <p:sp>
+        <p:nvSpPr>
+          <p:cNvPr id="2" name="標題 1">
+            <a:extLst>
+              <a:ext uri="{FF2B5EF4-FFF2-40B4-BE49-F238E27FC236}">
+                <a16:creationId xmlns:a16="http://schemas.microsoft.com/office/drawing/2014/main" id="{32532283-9F93-4E44-8138-32796965361F}"/>
+              </a:ext>
+            </a:extLst>
+          </p:cNvPr>
+          <p:cNvSpPr>
+            <a:spLocks noGrp="1"/>
+          </p:cNvSpPr>
+          <p:nvPr>
+            <p:ph type="ctrTitle"/>
+          </p:nvPr>
+        </p:nvSpPr>
+        <p:spPr>
+          <a:xfrm>
+            <a:off x="1524000" y="1122363"/>
+            <a:ext cx="4060054" cy="1585326"/>
+          </a:xfrm>
+        </p:spPr>
+        <p:txBody>
+          <a:bodyPr>
+            <a:normAutofit/>
+          </a:bodyPr>
+          <a:lstStyle/>
+          <a:p>
+            <a:endParaRPr lang="zh-TW" altLang="en-US" sz="5000" dirty="0">
+              <a:latin typeface="標楷體" panose="03000509000000000000" pitchFamily="65" charset="-120"/>
+              <a:ea typeface="標楷體" panose="03000509000000000000" pitchFamily="65" charset="-120"/>
+            </a:endParaRPr>
+          </a:p>
+        </p:txBody>
+      </p:sp>
+      <p:sp>
+        <p:nvSpPr>
+          <p:cNvPr id="3" name="副標題 2">
+            <a:extLst>
+              <a:ext uri="{FF2B5EF4-FFF2-40B4-BE49-F238E27FC236}">
+                <a16:creationId xmlns:a16="http://schemas.microsoft.com/office/drawing/2014/main" id="{8C946F38-524D-4B98-B9CB-80AEE57E455A}"/>
+              </a:ext>
+            </a:extLst>
+          </p:cNvPr>
+          <p:cNvSpPr>
+            <a:spLocks noGrp="1"/>
+          </p:cNvSpPr>
+          <p:nvPr>
+            <p:ph type="subTitle" idx="1"/>
+          </p:nvPr>
+        </p:nvSpPr>
+        <p:spPr/>
+        <p:txBody>
+          <a:bodyPr/>
+          <a:lstStyle/>
+          <a:p>
+            <a:endParaRPr lang="zh-TW" altLang="en-US"/>
+          </a:p>
+        </p:txBody>
+      </p:sp>
+      <p:pic>
+        <p:nvPicPr>
+          <p:cNvPr id="6" name="圖片 5">
+            <a:extLst>
+              <a:ext uri="{FF2B5EF4-FFF2-40B4-BE49-F238E27FC236}">
+                <a16:creationId xmlns:a16="http://schemas.microsoft.com/office/drawing/2014/main" id="{5447F06F-9AB9-4FA0-88D0-5738DEFE7D79}"/>
+              </a:ext>
+            </a:extLst>
+          </p:cNvPr>
+          <p:cNvPicPr>
+            <a:picLocks noChangeAspect="1"/>
+          </p:cNvPicPr>
+          <p:nvPr/>
+        </p:nvPicPr>
+        <p:blipFill>
+          <a:blip r:embed="rId3">
+            <a:extLst>
+              <a:ext uri="{28A0092B-C50C-407E-A947-70E740481C1C}">
+                <a14:useLocalDpi xmlns:a14="http://schemas.microsoft.com/office/drawing/2010/main" val="0"/>
+              </a:ext>
+            </a:extLst>
+          </a:blip>
+          <a:stretch>
+            <a:fillRect/>
+          </a:stretch>
+        </p:blipFill>
+        <p:spPr>
+          <a:xfrm>
+            <a:off x="0" y="0"/>
+            <a:ext cx="6858000" cy="6858000"/>
+          </a:xfrm>
+          <a:prstGeom prst="rect">
+            <a:avLst/>
+          </a:prstGeom>
+        </p:spPr>
+      </p:pic>
+    </p:spTree>
+    <p:extLst>
+      <p:ext uri="{BB962C8B-B14F-4D97-AF65-F5344CB8AC3E}">
+        <p14:creationId xmlns:p14="http://schemas.microsoft.com/office/powerpoint/2010/main" val="4180701147"/>
+      </p:ext>
+    </p:extLst>
+  </p:cSld>
+  <p:clrMapOvr>
+    <a:masterClrMapping/>
+  </p:clrMapOvr>
+  <mc:AlternateContent xmlns:mc="http://schemas.openxmlformats.org/markup-compatibility/2006">
+    <mc:Choice xmlns:p159="http://schemas.microsoft.com/office/powerpoint/2015/09/main" Requires="p159">
+      <p:transition xmlns:p14="http://schemas.microsoft.com/office/powerpoint/2010/main" spd="slow" p14:dur="2000">
+        <p159:morph option="byObject"/>
+      </p:transition>
+    </mc:Choice>
+    <mc:Fallback>
+      <p:transition spd="slow">
+        <p:fade/>
+      </p:transition>
+    </mc:Fallback>
+  </mc:AlternateContent>
+</p:sld>
+</file>
+
+<file path=ppt/slides/slide5.xml><?xml version="1.0" encoding="utf-8"?>
+<p:sld xmlns:a="http://schemas.openxmlformats.org/drawingml/2006/main" xmlns:r="http://schemas.openxmlformats.org/officeDocument/2006/relationships" xmlns:p="http://schemas.openxmlformats.org/presentationml/2006/main">
+  <p:cSld>
+    <p:bg>
+      <p:bgPr>
+        <a:solidFill>
+          <a:schemeClr val="bg2">
+            <a:lumMod val="90000"/>
+          </a:schemeClr>
+        </a:solidFill>
+        <a:effectLst/>
+      </p:bgPr>
+    </p:bg>
+    <p:spTree>
+      <p:nvGrpSpPr>
+        <p:cNvPr id="1" name=""/>
+        <p:cNvGrpSpPr/>
+        <p:nvPr/>
+      </p:nvGrpSpPr>
+      <p:grpSpPr>
+        <a:xfrm>
+          <a:off x="0" y="0"/>
+          <a:ext cx="0" cy="0"/>
+          <a:chOff x="0" y="0"/>
+          <a:chExt cx="0" cy="0"/>
+        </a:xfrm>
+      </p:grpSpPr>
+      <p:sp>
+        <p:nvSpPr>
+          <p:cNvPr id="2" name="標題 1">
+            <a:extLst>
+              <a:ext uri="{FF2B5EF4-FFF2-40B4-BE49-F238E27FC236}">
+                <a16:creationId xmlns:a16="http://schemas.microsoft.com/office/drawing/2014/main" id="{32532283-9F93-4E44-8138-32796965361F}"/>
+              </a:ext>
+            </a:extLst>
+          </p:cNvPr>
+          <p:cNvSpPr>
+            <a:spLocks noGrp="1"/>
+          </p:cNvSpPr>
+          <p:nvPr>
+            <p:ph type="ctrTitle"/>
+          </p:nvPr>
+        </p:nvSpPr>
+        <p:spPr>
+          <a:xfrm>
+            <a:off x="1524000" y="1122363"/>
+            <a:ext cx="4060054" cy="1585326"/>
+          </a:xfrm>
+        </p:spPr>
+        <p:txBody>
+          <a:bodyPr>
+            <a:normAutofit/>
+          </a:bodyPr>
+          <a:lstStyle/>
+          <a:p>
+            <a:endParaRPr lang="zh-TW" altLang="en-US" sz="5000" dirty="0">
+              <a:latin typeface="標楷體" panose="03000509000000000000" pitchFamily="65" charset="-120"/>
+              <a:ea typeface="標楷體" panose="03000509000000000000" pitchFamily="65" charset="-120"/>
+            </a:endParaRPr>
+          </a:p>
+        </p:txBody>
+      </p:sp>
+      <p:sp>
+        <p:nvSpPr>
+          <p:cNvPr id="3" name="副標題 2">
+            <a:extLst>
+              <a:ext uri="{FF2B5EF4-FFF2-40B4-BE49-F238E27FC236}">
+                <a16:creationId xmlns:a16="http://schemas.microsoft.com/office/drawing/2014/main" id="{8C946F38-524D-4B98-B9CB-80AEE57E455A}"/>
+              </a:ext>
+            </a:extLst>
+          </p:cNvPr>
+          <p:cNvSpPr>
+            <a:spLocks noGrp="1"/>
+          </p:cNvSpPr>
+          <p:nvPr>
+            <p:ph type="subTitle" idx="1"/>
+          </p:nvPr>
+        </p:nvSpPr>
+        <p:spPr/>
+        <p:txBody>
+          <a:bodyPr/>
+          <a:lstStyle/>
+          <a:p>
+            <a:endParaRPr lang="zh-TW" altLang="en-US"/>
+          </a:p>
+        </p:txBody>
+      </p:sp>
+      <p:pic>
+        <p:nvPicPr>
+          <p:cNvPr id="5" name="圖片 4">
+            <a:extLst>
+              <a:ext uri="{FF2B5EF4-FFF2-40B4-BE49-F238E27FC236}">
+                <a16:creationId xmlns:a16="http://schemas.microsoft.com/office/drawing/2014/main" id="{5CA9548A-84C1-4B92-9870-C28BFB1AB8EF}"/>
+              </a:ext>
+            </a:extLst>
+          </p:cNvPr>
+          <p:cNvPicPr>
+            <a:picLocks noChangeAspect="1"/>
+          </p:cNvPicPr>
+          <p:nvPr/>
+        </p:nvPicPr>
+        <p:blipFill>
+          <a:blip r:embed="rId3">
+            <a:extLst>
+              <a:ext uri="{28A0092B-C50C-407E-A947-70E740481C1C}">
+                <a14:useLocalDpi xmlns:a14="http://schemas.microsoft.com/office/drawing/2010/main" val="0"/>
+              </a:ext>
+            </a:extLst>
+          </a:blip>
+          <a:stretch>
+            <a:fillRect/>
+          </a:stretch>
+        </p:blipFill>
+        <p:spPr>
+          <a:xfrm>
+            <a:off x="0" y="0"/>
+            <a:ext cx="6858000" cy="6858000"/>
+          </a:xfrm>
+          <a:prstGeom prst="rect">
+            <a:avLst/>
+          </a:prstGeom>
+        </p:spPr>
+      </p:pic>
+    </p:spTree>
+    <p:extLst>
+      <p:ext uri="{BB962C8B-B14F-4D97-AF65-F5344CB8AC3E}">
+        <p14:creationId xmlns:p14="http://schemas.microsoft.com/office/powerpoint/2010/main" val="1954362676"/>
+      </p:ext>
+    </p:extLst>
+  </p:cSld>
+  <p:clrMapOvr>
+    <a:masterClrMapping/>
+  </p:clrMapOvr>
+  <mc:AlternateContent xmlns:mc="http://schemas.openxmlformats.org/markup-compatibility/2006">
+    <mc:Choice xmlns:p14="http://schemas.microsoft.com/office/powerpoint/2010/main" Requires="p14">
+      <p:transition spd="slow" p14:dur="3400">
+        <p14:reveal/>
+      </p:transition>
+    </mc:Choice>
+    <mc:Fallback>
+      <p:transition spd="slow">
+        <p:fade/>
+      </p:transition>
+    </mc:Fallback>
+  </mc:AlternateContent>
+</p:sld>
+</file>
+
+<file path=ppt/slides/slide6.xml><?xml version="1.0" encoding="utf-8"?>
+<p:sld xmlns:a="http://schemas.openxmlformats.org/drawingml/2006/main" xmlns:r="http://schemas.openxmlformats.org/officeDocument/2006/relationships" xmlns:p="http://schemas.openxmlformats.org/presentationml/2006/main">
+  <p:cSld>
+    <p:bg>
+      <p:bgPr>
+        <a:solidFill>
+          <a:schemeClr val="bg2">
+            <a:lumMod val="90000"/>
+          </a:schemeClr>
+        </a:solidFill>
+        <a:effectLst/>
+      </p:bgPr>
+    </p:bg>
+    <p:spTree>
+      <p:nvGrpSpPr>
+        <p:cNvPr id="1" name=""/>
+        <p:cNvGrpSpPr/>
+        <p:nvPr/>
+      </p:nvGrpSpPr>
+      <p:grpSpPr>
+        <a:xfrm>
+          <a:off x="0" y="0"/>
+          <a:ext cx="0" cy="0"/>
+          <a:chOff x="0" y="0"/>
+          <a:chExt cx="0" cy="0"/>
+        </a:xfrm>
+      </p:grpSpPr>
+      <p:sp>
+        <p:nvSpPr>
+          <p:cNvPr id="2" name="標題 1">
+            <a:extLst>
+              <a:ext uri="{FF2B5EF4-FFF2-40B4-BE49-F238E27FC236}">
+                <a16:creationId xmlns:a16="http://schemas.microsoft.com/office/drawing/2014/main" id="{32532283-9F93-4E44-8138-32796965361F}"/>
+              </a:ext>
+            </a:extLst>
+          </p:cNvPr>
+          <p:cNvSpPr>
+            <a:spLocks noGrp="1"/>
+          </p:cNvSpPr>
+          <p:nvPr>
+            <p:ph type="ctrTitle"/>
+          </p:nvPr>
+        </p:nvSpPr>
+        <p:spPr>
+          <a:xfrm>
+            <a:off x="1524000" y="1122363"/>
+            <a:ext cx="4060054" cy="1585326"/>
+          </a:xfrm>
+        </p:spPr>
+        <p:txBody>
+          <a:bodyPr>
+            <a:normAutofit/>
+          </a:bodyPr>
+          <a:lstStyle/>
+          <a:p>
+            <a:endParaRPr lang="zh-TW" altLang="en-US" sz="5000" dirty="0">
+              <a:latin typeface="標楷體" panose="03000509000000000000" pitchFamily="65" charset="-120"/>
+              <a:ea typeface="標楷體" panose="03000509000000000000" pitchFamily="65" charset="-120"/>
+            </a:endParaRPr>
+          </a:p>
+        </p:txBody>
+      </p:sp>
+      <p:sp>
+        <p:nvSpPr>
+          <p:cNvPr id="3" name="副標題 2">
+            <a:extLst>
+              <a:ext uri="{FF2B5EF4-FFF2-40B4-BE49-F238E27FC236}">
+                <a16:creationId xmlns:a16="http://schemas.microsoft.com/office/drawing/2014/main" id="{8C946F38-524D-4B98-B9CB-80AEE57E455A}"/>
+              </a:ext>
+            </a:extLst>
+          </p:cNvPr>
+          <p:cNvSpPr>
+            <a:spLocks noGrp="1"/>
+          </p:cNvSpPr>
+          <p:nvPr>
+            <p:ph type="subTitle" idx="1"/>
+          </p:nvPr>
+        </p:nvSpPr>
+        <p:spPr/>
+        <p:txBody>
+          <a:bodyPr/>
+          <a:lstStyle/>
+          <a:p>
+            <a:endParaRPr lang="zh-TW" altLang="en-US"/>
+          </a:p>
+        </p:txBody>
+      </p:sp>
+      <p:pic>
+        <p:nvPicPr>
+          <p:cNvPr id="5" name="圖片 4">
+            <a:extLst>
+              <a:ext uri="{FF2B5EF4-FFF2-40B4-BE49-F238E27FC236}">
+                <a16:creationId xmlns:a16="http://schemas.microsoft.com/office/drawing/2014/main" id="{9129FDB5-0AAB-4534-9126-D76C666F0889}"/>
+              </a:ext>
+            </a:extLst>
+          </p:cNvPr>
+          <p:cNvPicPr>
+            <a:picLocks noChangeAspect="1"/>
+          </p:cNvPicPr>
+          <p:nvPr/>
+        </p:nvPicPr>
+        <p:blipFill>
+          <a:blip r:embed="rId3">
+            <a:extLst>
+              <a:ext uri="{28A0092B-C50C-407E-A947-70E740481C1C}">
+                <a14:useLocalDpi xmlns:a14="http://schemas.microsoft.com/office/drawing/2010/main" val="0"/>
+              </a:ext>
+            </a:extLst>
+          </a:blip>
+          <a:stretch>
+            <a:fillRect/>
+          </a:stretch>
+        </p:blipFill>
+        <p:spPr>
+          <a:xfrm>
+            <a:off x="0" y="0"/>
+            <a:ext cx="6858000" cy="6858000"/>
+          </a:xfrm>
+          <a:prstGeom prst="rect">
+            <a:avLst/>
+          </a:prstGeom>
+        </p:spPr>
+      </p:pic>
+    </p:spTree>
+    <p:extLst>
+      <p:ext uri="{BB962C8B-B14F-4D97-AF65-F5344CB8AC3E}">
+        <p14:creationId xmlns:p14="http://schemas.microsoft.com/office/powerpoint/2010/main" val="3882320901"/>
+      </p:ext>
+    </p:extLst>
+  </p:cSld>
+  <p:clrMapOvr>
+    <a:masterClrMapping/>
+  </p:clrMapOvr>
+  <mc:AlternateContent xmlns:mc="http://schemas.openxmlformats.org/markup-compatibility/2006">
+    <mc:Choice xmlns:p14="http://schemas.microsoft.com/office/powerpoint/2010/main" Requires="p14">
+      <p:transition spd="slow" p14:dur="800">
+        <p:circle/>
+      </p:transition>
+    </mc:Choice>
+    <mc:Fallback>
+      <p:transition spd="slow">
+        <p:circle/>
+      </p:transition>
+    </mc:Fallback>
+  </mc:AlternateContent>
+</p:sld>
+</file>
+
+<file path=ppt/slides/slide7.xml><?xml version="1.0" encoding="utf-8"?>
+<p:sld xmlns:a="http://schemas.openxmlformats.org/drawingml/2006/main" xmlns:r="http://schemas.openxmlformats.org/officeDocument/2006/relationships" xmlns:p="http://schemas.openxmlformats.org/presentationml/2006/main">
+  <p:cSld>
+    <p:bg>
+      <p:bgPr>
+        <a:solidFill>
+          <a:schemeClr val="bg2">
+            <a:lumMod val="90000"/>
+          </a:schemeClr>
+        </a:solidFill>
+        <a:effectLst/>
+      </p:bgPr>
+    </p:bg>
+    <p:spTree>
+      <p:nvGrpSpPr>
+        <p:cNvPr id="1" name=""/>
+        <p:cNvGrpSpPr/>
+        <p:nvPr/>
+      </p:nvGrpSpPr>
+      <p:grpSpPr>
+        <a:xfrm>
+          <a:off x="0" y="0"/>
+          <a:ext cx="0" cy="0"/>
+          <a:chOff x="0" y="0"/>
+          <a:chExt cx="0" cy="0"/>
+        </a:xfrm>
+      </p:grpSpPr>
+      <p:sp>
+        <p:nvSpPr>
+          <p:cNvPr id="2" name="標題 1">
+            <a:extLst>
+              <a:ext uri="{FF2B5EF4-FFF2-40B4-BE49-F238E27FC236}">
+                <a16:creationId xmlns:a16="http://schemas.microsoft.com/office/drawing/2014/main" id="{32532283-9F93-4E44-8138-32796965361F}"/>
+              </a:ext>
+            </a:extLst>
+          </p:cNvPr>
+          <p:cNvSpPr>
+            <a:spLocks noGrp="1"/>
+          </p:cNvSpPr>
+          <p:nvPr>
+            <p:ph type="ctrTitle"/>
+          </p:nvPr>
+        </p:nvSpPr>
+        <p:spPr>
+          <a:xfrm>
+            <a:off x="1524000" y="1122363"/>
+            <a:ext cx="4060054" cy="1585326"/>
+          </a:xfrm>
+        </p:spPr>
+        <p:txBody>
+          <a:bodyPr>
+            <a:normAutofit/>
+          </a:bodyPr>
+          <a:lstStyle/>
+          <a:p>
+            <a:endParaRPr lang="zh-TW" altLang="en-US" sz="5000" dirty="0">
+              <a:latin typeface="標楷體" panose="03000509000000000000" pitchFamily="65" charset="-120"/>
+              <a:ea typeface="標楷體" panose="03000509000000000000" pitchFamily="65" charset="-120"/>
+            </a:endParaRPr>
+          </a:p>
+        </p:txBody>
+      </p:sp>
+      <p:sp>
+        <p:nvSpPr>
+          <p:cNvPr id="3" name="副標題 2">
+            <a:extLst>
+              <a:ext uri="{FF2B5EF4-FFF2-40B4-BE49-F238E27FC236}">
+                <a16:creationId xmlns:a16="http://schemas.microsoft.com/office/drawing/2014/main" id="{8C946F38-524D-4B98-B9CB-80AEE57E455A}"/>
+              </a:ext>
+            </a:extLst>
+          </p:cNvPr>
+          <p:cNvSpPr>
+            <a:spLocks noGrp="1"/>
+          </p:cNvSpPr>
+          <p:nvPr>
+            <p:ph type="subTitle" idx="1"/>
+          </p:nvPr>
+        </p:nvSpPr>
+        <p:spPr/>
+        <p:txBody>
+          <a:bodyPr/>
+          <a:lstStyle/>
+          <a:p>
+            <a:endParaRPr lang="zh-TW" altLang="en-US"/>
+          </a:p>
+        </p:txBody>
+      </p:sp>
+      <p:pic>
+        <p:nvPicPr>
+          <p:cNvPr id="5" name="圖片 4">
+            <a:extLst>
+              <a:ext uri="{FF2B5EF4-FFF2-40B4-BE49-F238E27FC236}">
+                <a16:creationId xmlns:a16="http://schemas.microsoft.com/office/drawing/2014/main" id="{3A3A6E60-0D6F-4CE0-B6A2-B0A0EC474287}"/>
+              </a:ext>
+            </a:extLst>
+          </p:cNvPr>
+          <p:cNvPicPr>
+            <a:picLocks noChangeAspect="1"/>
+          </p:cNvPicPr>
+          <p:nvPr/>
+        </p:nvPicPr>
+        <p:blipFill>
+          <a:blip r:embed="rId3">
+            <a:extLst>
+              <a:ext uri="{28A0092B-C50C-407E-A947-70E740481C1C}">
+                <a14:useLocalDpi xmlns:a14="http://schemas.microsoft.com/office/drawing/2010/main" val="0"/>
+              </a:ext>
+            </a:extLst>
+          </a:blip>
+          <a:stretch>
+            <a:fillRect/>
+          </a:stretch>
+        </p:blipFill>
+        <p:spPr>
+          <a:xfrm>
+            <a:off x="0" y="-37807"/>
+            <a:ext cx="6858000" cy="6858000"/>
+          </a:xfrm>
+          <a:prstGeom prst="rect">
+            <a:avLst/>
+          </a:prstGeom>
+        </p:spPr>
+      </p:pic>
+    </p:spTree>
+    <p:extLst>
+      <p:ext uri="{BB962C8B-B14F-4D97-AF65-F5344CB8AC3E}">
+        <p14:creationId xmlns:p14="http://schemas.microsoft.com/office/powerpoint/2010/main" val="706257126"/>
+      </p:ext>
+    </p:extLst>
+  </p:cSld>
+  <p:clrMapOvr>
+    <a:masterClrMapping/>
+  </p:clrMapOvr>
+  <p:transition spd="slow">
+    <p:push dir="u"/>
+  </p:transition>
+</p:sld>
+</file>
+
+<file path=ppt/slides/slide8.xml><?xml version="1.0" encoding="utf-8"?>
+<p:sld xmlns:a="http://schemas.openxmlformats.org/drawingml/2006/main" xmlns:r="http://schemas.openxmlformats.org/officeDocument/2006/relationships" xmlns:p="http://schemas.openxmlformats.org/presentationml/2006/main">
+  <p:cSld>
+    <p:bg>
+      <p:bgPr>
+        <a:solidFill>
+          <a:schemeClr val="bg2">
+            <a:lumMod val="90000"/>
+          </a:schemeClr>
+        </a:solidFill>
+        <a:effectLst/>
+      </p:bgPr>
+    </p:bg>
+    <p:spTree>
+      <p:nvGrpSpPr>
+        <p:cNvPr id="1" name=""/>
+        <p:cNvGrpSpPr/>
+        <p:nvPr/>
+      </p:nvGrpSpPr>
+      <p:grpSpPr>
+        <a:xfrm>
+          <a:off x="0" y="0"/>
+          <a:ext cx="0" cy="0"/>
+          <a:chOff x="0" y="0"/>
+          <a:chExt cx="0" cy="0"/>
+        </a:xfrm>
+      </p:grpSpPr>
+      <p:sp>
+        <p:nvSpPr>
+          <p:cNvPr id="2" name="標題 1">
+            <a:extLst>
+              <a:ext uri="{FF2B5EF4-FFF2-40B4-BE49-F238E27FC236}">
+                <a16:creationId xmlns:a16="http://schemas.microsoft.com/office/drawing/2014/main" id="{32532283-9F93-4E44-8138-32796965361F}"/>
+              </a:ext>
+            </a:extLst>
+          </p:cNvPr>
+          <p:cNvSpPr>
+            <a:spLocks noGrp="1"/>
+          </p:cNvSpPr>
+          <p:nvPr>
+            <p:ph type="ctrTitle"/>
+          </p:nvPr>
+        </p:nvSpPr>
+        <p:spPr>
+          <a:xfrm>
+            <a:off x="1524000" y="1122363"/>
+            <a:ext cx="4060054" cy="1585326"/>
+          </a:xfrm>
+        </p:spPr>
+        <p:txBody>
+          <a:bodyPr>
+            <a:normAutofit/>
+          </a:bodyPr>
+          <a:lstStyle/>
+          <a:p>
+            <a:endParaRPr lang="zh-TW" altLang="en-US" sz="5000" dirty="0">
+              <a:latin typeface="標楷體" panose="03000509000000000000" pitchFamily="65" charset="-120"/>
+              <a:ea typeface="標楷體" panose="03000509000000000000" pitchFamily="65" charset="-120"/>
+            </a:endParaRPr>
+          </a:p>
+        </p:txBody>
+      </p:sp>
+      <p:sp>
+        <p:nvSpPr>
+          <p:cNvPr id="3" name="副標題 2">
+            <a:extLst>
+              <a:ext uri="{FF2B5EF4-FFF2-40B4-BE49-F238E27FC236}">
+                <a16:creationId xmlns:a16="http://schemas.microsoft.com/office/drawing/2014/main" id="{8C946F38-524D-4B98-B9CB-80AEE57E455A}"/>
+              </a:ext>
+            </a:extLst>
+          </p:cNvPr>
+          <p:cNvSpPr>
+            <a:spLocks noGrp="1"/>
+          </p:cNvSpPr>
+          <p:nvPr>
+            <p:ph type="subTitle" idx="1"/>
+          </p:nvPr>
+        </p:nvSpPr>
+        <p:spPr/>
+        <p:txBody>
+          <a:bodyPr/>
+          <a:lstStyle/>
+          <a:p>
+            <a:endParaRPr lang="zh-TW" altLang="en-US"/>
+          </a:p>
+        </p:txBody>
+      </p:sp>
+      <p:pic>
+        <p:nvPicPr>
+          <p:cNvPr id="8" name="圖片 7">
+            <a:extLst>
+              <a:ext uri="{FF2B5EF4-FFF2-40B4-BE49-F238E27FC236}">
+                <a16:creationId xmlns:a16="http://schemas.microsoft.com/office/drawing/2014/main" id="{30347C9C-7BE5-4E7B-A2F5-A926780BB03A}"/>
+              </a:ext>
+            </a:extLst>
+          </p:cNvPr>
+          <p:cNvPicPr>
+            <a:picLocks noChangeAspect="1"/>
+          </p:cNvPicPr>
+          <p:nvPr/>
+        </p:nvPicPr>
+        <p:blipFill>
+          <a:blip r:embed="rId3">
+            <a:extLst>
+              <a:ext uri="{28A0092B-C50C-407E-A947-70E740481C1C}">
+                <a14:useLocalDpi xmlns:a14="http://schemas.microsoft.com/office/drawing/2010/main" val="0"/>
+              </a:ext>
+            </a:extLst>
+          </a:blip>
+          <a:stretch>
+            <a:fillRect/>
+          </a:stretch>
+        </p:blipFill>
+        <p:spPr>
+          <a:xfrm>
+            <a:off x="0" y="0"/>
+            <a:ext cx="6858000" cy="6858000"/>
+          </a:xfrm>
+          <a:prstGeom prst="rect">
+            <a:avLst/>
+          </a:prstGeom>
+        </p:spPr>
+      </p:pic>
+    </p:spTree>
+    <p:extLst>
+      <p:ext uri="{BB962C8B-B14F-4D97-AF65-F5344CB8AC3E}">
+        <p14:creationId xmlns:p14="http://schemas.microsoft.com/office/powerpoint/2010/main" val="1645002965"/>
+      </p:ext>
+    </p:extLst>
+  </p:cSld>
+  <p:clrMapOvr>
+    <a:masterClrMapping/>
+  </p:clrMapOvr>
+  <p:transition spd="slow">
+    <p:push dir="u"/>
+  </p:transition>
+</p:sld>
+</file>
+
+<file path=ppt/slides/slide9.xml><?xml version="1.0" encoding="utf-8"?>
+<p:sld xmlns:a="http://schemas.openxmlformats.org/drawingml/2006/main" xmlns:r="http://schemas.openxmlformats.org/officeDocument/2006/relationships" xmlns:p="http://schemas.openxmlformats.org/presentationml/2006/main">
+  <p:cSld>
+    <p:bg>
+      <p:bgPr>
+        <a:solidFill>
+          <a:schemeClr val="bg2">
+            <a:lumMod val="90000"/>
+          </a:schemeClr>
+        </a:solidFill>
+        <a:effectLst/>
+      </p:bgPr>
+    </p:bg>
+    <p:spTree>
+      <p:nvGrpSpPr>
+        <p:cNvPr id="1" name=""/>
+        <p:cNvGrpSpPr/>
+        <p:nvPr/>
+      </p:nvGrpSpPr>
+      <p:grpSpPr>
+        <a:xfrm>
+          <a:off x="0" y="0"/>
+          <a:ext cx="0" cy="0"/>
+          <a:chOff x="0" y="0"/>
+          <a:chExt cx="0" cy="0"/>
+        </a:xfrm>
+      </p:grpSpPr>
+      <p:sp>
+        <p:nvSpPr>
+          <p:cNvPr id="2" name="標題 1">
+            <a:extLst>
+              <a:ext uri="{FF2B5EF4-FFF2-40B4-BE49-F238E27FC236}">
+                <a16:creationId xmlns:a16="http://schemas.microsoft.com/office/drawing/2014/main" id="{32532283-9F93-4E44-8138-32796965361F}"/>
+              </a:ext>
+            </a:extLst>
+          </p:cNvPr>
+          <p:cNvSpPr>
+            <a:spLocks noGrp="1"/>
+          </p:cNvSpPr>
+          <p:nvPr>
+            <p:ph type="ctrTitle"/>
+          </p:nvPr>
+        </p:nvSpPr>
+        <p:spPr>
+          <a:xfrm>
+            <a:off x="1524000" y="1122363"/>
+            <a:ext cx="4060054" cy="1585326"/>
+          </a:xfrm>
+        </p:spPr>
+        <p:txBody>
+          <a:bodyPr>
+            <a:normAutofit/>
+          </a:bodyPr>
+          <a:lstStyle/>
+          <a:p>
+            <a:endParaRPr lang="zh-TW" altLang="en-US" sz="5000" dirty="0">
+              <a:latin typeface="標楷體" panose="03000509000000000000" pitchFamily="65" charset="-120"/>
+              <a:ea typeface="標楷體" panose="03000509000000000000" pitchFamily="65" charset="-120"/>
+            </a:endParaRPr>
+          </a:p>
+        </p:txBody>
+      </p:sp>
+      <p:sp>
+        <p:nvSpPr>
+          <p:cNvPr id="3" name="副標題 2">
+            <a:extLst>
+              <a:ext uri="{FF2B5EF4-FFF2-40B4-BE49-F238E27FC236}">
+                <a16:creationId xmlns:a16="http://schemas.microsoft.com/office/drawing/2014/main" id="{8C946F38-524D-4B98-B9CB-80AEE57E455A}"/>
+              </a:ext>
+            </a:extLst>
+          </p:cNvPr>
+          <p:cNvSpPr>
+            <a:spLocks noGrp="1"/>
+          </p:cNvSpPr>
+          <p:nvPr>
+            <p:ph type="subTitle" idx="1"/>
+          </p:nvPr>
+        </p:nvSpPr>
+        <p:spPr/>
+        <p:txBody>
+          <a:bodyPr/>
+          <a:lstStyle/>
+          <a:p>
+            <a:endParaRPr lang="zh-TW" altLang="en-US"/>
+          </a:p>
+        </p:txBody>
+      </p:sp>
+      <p:pic>
+        <p:nvPicPr>
+          <p:cNvPr id="8" name="圖片 7">
+            <a:extLst>
+              <a:ext uri="{FF2B5EF4-FFF2-40B4-BE49-F238E27FC236}">
+                <a16:creationId xmlns:a16="http://schemas.microsoft.com/office/drawing/2014/main" id="{EB55CECF-4A66-4C08-83FC-38882AB0B9C4}"/>
+              </a:ext>
+            </a:extLst>
+          </p:cNvPr>
+          <p:cNvPicPr>
+            <a:picLocks noChangeAspect="1"/>
+          </p:cNvPicPr>
+          <p:nvPr/>
+        </p:nvPicPr>
+        <p:blipFill>
+          <a:blip r:embed="rId3">
+            <a:extLst>
+              <a:ext uri="{28A0092B-C50C-407E-A947-70E740481C1C}">
+                <a14:useLocalDpi xmlns:a14="http://schemas.microsoft.com/office/drawing/2010/main" val="0"/>
+              </a:ext>
+            </a:extLst>
+          </a:blip>
+          <a:stretch>
+            <a:fillRect/>
+          </a:stretch>
+        </p:blipFill>
+        <p:spPr>
+          <a:xfrm>
+            <a:off x="0" y="0"/>
+            <a:ext cx="6858000" cy="6858000"/>
+          </a:xfrm>
+          <a:prstGeom prst="rect">
+            <a:avLst/>
+          </a:prstGeom>
+        </p:spPr>
+      </p:pic>
+    </p:spTree>
+    <p:extLst>
+      <p:ext uri="{BB962C8B-B14F-4D97-AF65-F5344CB8AC3E}">
+        <p14:creationId xmlns:p14="http://schemas.microsoft.com/office/powerpoint/2010/main" val="53765552"/>
+      </p:ext>
+    </p:extLst>
+  </p:cSld>
+  <p:clrMapOvr>
+    <a:masterClrMapping/>
+  </p:clrMapOvr>
+  <mc:AlternateContent xmlns:mc="http://schemas.openxmlformats.org/markup-compatibility/2006">
+    <mc:Choice xmlns:p159="http://schemas.microsoft.com/office/powerpoint/2015/09/main" Requires="p159">
+      <p:transition xmlns:p14="http://schemas.microsoft.com/office/powerpoint/2010/main" spd="slow" p14:dur="2000">
+        <p159:morph option="byObject"/>
+      </p:transition>
+    </mc:Choice>
+    <mc:Fallback>
+      <p:transition spd="slow">
+        <p:fade/>
+      </p:transition>
+    </mc:Fallback>
+  </mc:AlternateContent>
 </p:sld>
 </file>
 
@@ -3677,4 +6970,299 @@
     </a:ext>
   </a:extLst>
 </a:theme>
+</file>
+
+<file path=ppt/theme/theme2.xml><?xml version="1.0" encoding="utf-8"?>
+<a:theme xmlns:a="http://schemas.openxmlformats.org/drawingml/2006/main" name="Office 佈景主題">
+  <a:themeElements>
+    <a:clrScheme name="Office">
+      <a:dk1>
+        <a:sysClr val="windowText" lastClr="000000"/>
+      </a:dk1>
+      <a:lt1>
+        <a:sysClr val="window" lastClr="FFFFFF"/>
+      </a:lt1>
+      <a:dk2>
+        <a:srgbClr val="44546A"/>
+      </a:dk2>
+      <a:lt2>
+        <a:srgbClr val="E7E6E6"/>
+      </a:lt2>
+      <a:accent1>
+        <a:srgbClr val="4472C4"/>
+      </a:accent1>
+      <a:accent2>
+        <a:srgbClr val="ED7D31"/>
+      </a:accent2>
+      <a:accent3>
+        <a:srgbClr val="A5A5A5"/>
+      </a:accent3>
+      <a:accent4>
+        <a:srgbClr val="FFC000"/>
+      </a:accent4>
+      <a:accent5>
+        <a:srgbClr val="5B9BD5"/>
+      </a:accent5>
+      <a:accent6>
+        <a:srgbClr val="70AD47"/>
+      </a:accent6>
+      <a:hlink>
+        <a:srgbClr val="0563C1"/>
+      </a:hlink>
+      <a:folHlink>
+        <a:srgbClr val="954F72"/>
+      </a:folHlink>
+    </a:clrScheme>
+    <a:fontScheme name="Office">
+      <a:majorFont>
+        <a:latin typeface="Calibri Light" panose="020F0302020204030204"/>
+        <a:ea typeface=""/>
+        <a:cs typeface=""/>
+        <a:font script="Jpan" typeface="游ゴシック Light"/>
+        <a:font script="Hang" typeface="맑은 고딕"/>
+        <a:font script="Hans" typeface="等线 Light"/>
+        <a:font script="Hant" typeface="新細明體"/>
+        <a:font script="Arab" typeface="Times New Roman"/>
+        <a:font script="Hebr" typeface="Times New Roman"/>
+        <a:font script="Thai" typeface="Angsana New"/>
+        <a:font script="Ethi" typeface="Nyala"/>
+        <a:font script="Beng" typeface="Vrinda"/>
+        <a:font script="Gujr" typeface="Shruti"/>
+        <a:font script="Khmr" typeface="MoolBoran"/>
+        <a:font script="Knda" typeface="Tunga"/>
+        <a:font script="Guru" typeface="Raavi"/>
+        <a:font script="Cans" typeface="Euphemia"/>
+        <a:font script="Cher" typeface="Plantagenet Cherokee"/>
+        <a:font script="Yiii" typeface="Microsoft Yi Baiti"/>
+        <a:font script="Tibt" typeface="Microsoft Himalaya"/>
+        <a:font script="Thaa" typeface="MV Boli"/>
+        <a:font script="Deva" typeface="Mangal"/>
+        <a:font script="Telu" typeface="Gautami"/>
+        <a:font script="Taml" typeface="Latha"/>
+        <a:font script="Syrc" typeface="Estrangelo Edessa"/>
+        <a:font script="Orya" typeface="Kalinga"/>
+        <a:font script="Mlym" typeface="Kartika"/>
+        <a:font script="Laoo" typeface="DokChampa"/>
+        <a:font script="Sinh" typeface="Iskoola Pota"/>
+        <a:font script="Mong" typeface="Mongolian Baiti"/>
+        <a:font script="Viet" typeface="Times New Roman"/>
+        <a:font script="Uigh" typeface="Microsoft Uighur"/>
+        <a:font script="Geor" typeface="Sylfaen"/>
+        <a:font script="Armn" typeface="Arial"/>
+        <a:font script="Bugi" typeface="Leelawadee UI"/>
+        <a:font script="Bopo" typeface="Microsoft JhengHei"/>
+        <a:font script="Java" typeface="Javanese Text"/>
+        <a:font script="Lisu" typeface="Segoe UI"/>
+        <a:font script="Mymr" typeface="Myanmar Text"/>
+        <a:font script="Nkoo" typeface="Ebrima"/>
+        <a:font script="Olck" typeface="Nirmala UI"/>
+        <a:font script="Osma" typeface="Ebrima"/>
+        <a:font script="Phag" typeface="Phagspa"/>
+        <a:font script="Syrn" typeface="Estrangelo Edessa"/>
+        <a:font script="Syrj" typeface="Estrangelo Edessa"/>
+        <a:font script="Syre" typeface="Estrangelo Edessa"/>
+        <a:font script="Sora" typeface="Nirmala UI"/>
+        <a:font script="Tale" typeface="Microsoft Tai Le"/>
+        <a:font script="Talu" typeface="Microsoft New Tai Lue"/>
+        <a:font script="Tfng" typeface="Ebrima"/>
+      </a:majorFont>
+      <a:minorFont>
+        <a:latin typeface="Calibri" panose="020F0502020204030204"/>
+        <a:ea typeface=""/>
+        <a:cs typeface=""/>
+        <a:font script="Jpan" typeface="游ゴシック"/>
+        <a:font script="Hang" typeface="맑은 고딕"/>
+        <a:font script="Hans" typeface="等线"/>
+        <a:font script="Hant" typeface="新細明體"/>
+        <a:font script="Arab" typeface="Arial"/>
+        <a:font script="Hebr" typeface="Arial"/>
+        <a:font script="Thai" typeface="Cordia New"/>
+        <a:font script="Ethi" typeface="Nyala"/>
+        <a:font script="Beng" typeface="Vrinda"/>
+        <a:font script="Gujr" typeface="Shruti"/>
+        <a:font script="Khmr" typeface="DaunPenh"/>
+        <a:font script="Knda" typeface="Tunga"/>
+        <a:font script="Guru" typeface="Raavi"/>
+        <a:font script="Cans" typeface="Euphemia"/>
+        <a:font script="Cher" typeface="Plantagenet Cherokee"/>
+        <a:font script="Yiii" typeface="Microsoft Yi Baiti"/>
+        <a:font script="Tibt" typeface="Microsoft Himalaya"/>
+        <a:font script="Thaa" typeface="MV Boli"/>
+        <a:font script="Deva" typeface="Mangal"/>
+        <a:font script="Telu" typeface="Gautami"/>
+        <a:font script="Taml" typeface="Latha"/>
+        <a:font script="Syrc" typeface="Estrangelo Edessa"/>
+        <a:font script="Orya" typeface="Kalinga"/>
+        <a:font script="Mlym" typeface="Kartika"/>
+        <a:font script="Laoo" typeface="DokChampa"/>
+        <a:font script="Sinh" typeface="Iskoola Pota"/>
+        <a:font script="Mong" typeface="Mongolian Baiti"/>
+        <a:font script="Viet" typeface="Arial"/>
+        <a:font script="Uigh" typeface="Microsoft Uighur"/>
+        <a:font script="Geor" typeface="Sylfaen"/>
+        <a:font script="Armn" typeface="Arial"/>
+        <a:font script="Bugi" typeface="Leelawadee UI"/>
+        <a:font script="Bopo" typeface="Microsoft JhengHei"/>
+        <a:font script="Java" typeface="Javanese Text"/>
+        <a:font script="Lisu" typeface="Segoe UI"/>
+        <a:font script="Mymr" typeface="Myanmar Text"/>
+        <a:font script="Nkoo" typeface="Ebrima"/>
+        <a:font script="Olck" typeface="Nirmala UI"/>
+        <a:font script="Osma" typeface="Ebrima"/>
+        <a:font script="Phag" typeface="Phagspa"/>
+        <a:font script="Syrn" typeface="Estrangelo Edessa"/>
+        <a:font script="Syrj" typeface="Estrangelo Edessa"/>
+        <a:font script="Syre" typeface="Estrangelo Edessa"/>
+        <a:font script="Sora" typeface="Nirmala UI"/>
+        <a:font script="Tale" typeface="Microsoft Tai Le"/>
+        <a:font script="Talu" typeface="Microsoft New Tai Lue"/>
+        <a:font script="Tfng" typeface="Ebrima"/>
+      </a:minorFont>
+    </a:fontScheme>
+    <a:fmtScheme name="Office">
+      <a:fillStyleLst>
+        <a:solidFill>
+          <a:schemeClr val="phClr"/>
+        </a:solidFill>
+        <a:gradFill rotWithShape="1">
+          <a:gsLst>
+            <a:gs pos="0">
+              <a:schemeClr val="phClr">
+                <a:lumMod val="110000"/>
+                <a:satMod val="105000"/>
+                <a:tint val="67000"/>
+              </a:schemeClr>
+            </a:gs>
+            <a:gs pos="50000">
+              <a:schemeClr val="phClr">
+                <a:lumMod val="105000"/>
+                <a:satMod val="103000"/>
+                <a:tint val="73000"/>
+              </a:schemeClr>
+            </a:gs>
+            <a:gs pos="100000">
+              <a:schemeClr val="phClr">
+                <a:lumMod val="105000"/>
+                <a:satMod val="109000"/>
+                <a:tint val="81000"/>
+              </a:schemeClr>
+            </a:gs>
+          </a:gsLst>
+          <a:lin ang="5400000" scaled="0"/>
+        </a:gradFill>
+        <a:gradFill rotWithShape="1">
+          <a:gsLst>
+            <a:gs pos="0">
+              <a:schemeClr val="phClr">
+                <a:satMod val="103000"/>
+                <a:lumMod val="102000"/>
+                <a:tint val="94000"/>
+              </a:schemeClr>
+            </a:gs>
+            <a:gs pos="50000">
+              <a:schemeClr val="phClr">
+                <a:satMod val="110000"/>
+                <a:lumMod val="100000"/>
+                <a:shade val="100000"/>
+              </a:schemeClr>
+            </a:gs>
+            <a:gs pos="100000">
+              <a:schemeClr val="phClr">
+                <a:lumMod val="99000"/>
+                <a:satMod val="120000"/>
+                <a:shade val="78000"/>
+              </a:schemeClr>
+            </a:gs>
+          </a:gsLst>
+          <a:lin ang="5400000" scaled="0"/>
+        </a:gradFill>
+      </a:fillStyleLst>
+      <a:lnStyleLst>
+        <a:ln w="6350" cap="flat" cmpd="sng" algn="ctr">
+          <a:solidFill>
+            <a:schemeClr val="phClr"/>
+          </a:solidFill>
+          <a:prstDash val="solid"/>
+          <a:miter lim="800000"/>
+        </a:ln>
+        <a:ln w="12700" cap="flat" cmpd="sng" algn="ctr">
+          <a:solidFill>
+            <a:schemeClr val="phClr"/>
+          </a:solidFill>
+          <a:prstDash val="solid"/>
+          <a:miter lim="800000"/>
+        </a:ln>
+        <a:ln w="19050" cap="flat" cmpd="sng" algn="ctr">
+          <a:solidFill>
+            <a:schemeClr val="phClr"/>
+          </a:solidFill>
+          <a:prstDash val="solid"/>
+          <a:miter lim="800000"/>
+        </a:ln>
+      </a:lnStyleLst>
+      <a:effectStyleLst>
+        <a:effectStyle>
+          <a:effectLst/>
+        </a:effectStyle>
+        <a:effectStyle>
+          <a:effectLst/>
+        </a:effectStyle>
+        <a:effectStyle>
+          <a:effectLst>
+            <a:outerShdw blurRad="57150" dist="19050" dir="5400000" algn="ctr" rotWithShape="0">
+              <a:srgbClr val="000000">
+                <a:alpha val="63000"/>
+              </a:srgbClr>
+            </a:outerShdw>
+          </a:effectLst>
+        </a:effectStyle>
+      </a:effectStyleLst>
+      <a:bgFillStyleLst>
+        <a:solidFill>
+          <a:schemeClr val="phClr"/>
+        </a:solidFill>
+        <a:solidFill>
+          <a:schemeClr val="phClr">
+            <a:tint val="95000"/>
+            <a:satMod val="170000"/>
+          </a:schemeClr>
+        </a:solidFill>
+        <a:gradFill rotWithShape="1">
+          <a:gsLst>
+            <a:gs pos="0">
+              <a:schemeClr val="phClr">
+                <a:tint val="93000"/>
+                <a:satMod val="150000"/>
+                <a:shade val="98000"/>
+                <a:lumMod val="102000"/>
+              </a:schemeClr>
+            </a:gs>
+            <a:gs pos="50000">
+              <a:schemeClr val="phClr">
+                <a:tint val="98000"/>
+                <a:satMod val="130000"/>
+                <a:shade val="90000"/>
+                <a:lumMod val="103000"/>
+              </a:schemeClr>
+            </a:gs>
+            <a:gs pos="100000">
+              <a:schemeClr val="phClr">
+                <a:shade val="63000"/>
+                <a:satMod val="120000"/>
+              </a:schemeClr>
+            </a:gs>
+          </a:gsLst>
+          <a:lin ang="5400000" scaled="0"/>
+        </a:gradFill>
+      </a:bgFillStyleLst>
+    </a:fmtScheme>
+  </a:themeElements>
+  <a:objectDefaults/>
+  <a:extraClrSchemeLst/>
+  <a:extLst>
+    <a:ext uri="{05A4C25C-085E-4340-85A3-A5531E510DB2}">
+      <thm15:themeFamily xmlns:thm15="http://schemas.microsoft.com/office/thememl/2012/main" name="Office Theme" id="{62F939B6-93AF-4DB8-9C6B-D6C7DFDC589F}" vid="{4A3C46E8-61CC-4603-A589-7422A47A8E4A}"/>
+    </a:ext>
+  </a:extLst>
+</a:theme>
 </file>